--- a/documenten/corono-sprintreview-0.pptx
+++ b/documenten/corono-sprintreview-0.pptx
@@ -4,13 +4,17 @@
   <p:sldMasterIdLst>
     <p:sldMasterId id="2147483648" r:id="rId1"/>
   </p:sldMasterIdLst>
+  <p:notesMasterIdLst>
+    <p:notesMasterId r:id="rId9"/>
+  </p:notesMasterIdLst>
   <p:sldIdLst>
     <p:sldId id="256" r:id="rId2"/>
     <p:sldId id="257" r:id="rId3"/>
     <p:sldId id="258" r:id="rId4"/>
-    <p:sldId id="259" r:id="rId5"/>
-    <p:sldId id="260" r:id="rId6"/>
-    <p:sldId id="261" r:id="rId7"/>
+    <p:sldId id="262" r:id="rId5"/>
+    <p:sldId id="259" r:id="rId6"/>
+    <p:sldId id="260" r:id="rId7"/>
+    <p:sldId id="261" r:id="rId8"/>
   </p:sldIdLst>
   <p:sldSz cx="12192000" cy="6858000"/>
   <p:notesSz cx="6858000" cy="9144000"/>
@@ -109,7 +113,446 @@
       </a:defRPr>
     </a:lvl9pPr>
   </p:defaultTextStyle>
+  <p:extLst>
+    <p:ext uri="{EFAFB233-063F-42B5-8137-9DF3F51BA10A}">
+      <p15:sldGuideLst xmlns:p15="http://schemas.microsoft.com/office/powerpoint/2012/main"/>
+    </p:ext>
+  </p:extLst>
 </p:presentation>
+</file>
+
+<file path=ppt/notesMasters/notesMaster1.xml><?xml version="1.0" encoding="utf-8"?>
+<p:notesMaster xmlns:a="http://schemas.openxmlformats.org/drawingml/2006/main" xmlns:r="http://schemas.openxmlformats.org/officeDocument/2006/relationships" xmlns:p="http://schemas.openxmlformats.org/presentationml/2006/main">
+  <p:cSld>
+    <p:bg>
+      <p:bgRef idx="1001">
+        <a:schemeClr val="bg1"/>
+      </p:bgRef>
+    </p:bg>
+    <p:spTree>
+      <p:nvGrpSpPr>
+        <p:cNvPr id="1" name=""/>
+        <p:cNvGrpSpPr/>
+        <p:nvPr/>
+      </p:nvGrpSpPr>
+      <p:grpSpPr>
+        <a:xfrm>
+          <a:off x="0" y="0"/>
+          <a:ext cx="0" cy="0"/>
+          <a:chOff x="0" y="0"/>
+          <a:chExt cx="0" cy="0"/>
+        </a:xfrm>
+      </p:grpSpPr>
+      <p:sp>
+        <p:nvSpPr>
+          <p:cNvPr id="2" name="Header Placeholder 1"/>
+          <p:cNvSpPr>
+            <a:spLocks noGrp="1"/>
+          </p:cNvSpPr>
+          <p:nvPr>
+            <p:ph type="hdr" sz="quarter"/>
+          </p:nvPr>
+        </p:nvSpPr>
+        <p:spPr>
+          <a:xfrm>
+            <a:off x="0" y="0"/>
+            <a:ext cx="2971800" cy="458788"/>
+          </a:xfrm>
+          <a:prstGeom prst="rect">
+            <a:avLst/>
+          </a:prstGeom>
+        </p:spPr>
+        <p:txBody>
+          <a:bodyPr vert="horz" lIns="91440" tIns="45720" rIns="91440" bIns="45720" rtlCol="0"/>
+          <a:lstStyle>
+            <a:lvl1pPr algn="l">
+              <a:defRPr sz="1200"/>
+            </a:lvl1pPr>
+          </a:lstStyle>
+          <a:p>
+            <a:endParaRPr lang="en-NL"/>
+          </a:p>
+        </p:txBody>
+      </p:sp>
+      <p:sp>
+        <p:nvSpPr>
+          <p:cNvPr id="3" name="Date Placeholder 2"/>
+          <p:cNvSpPr>
+            <a:spLocks noGrp="1"/>
+          </p:cNvSpPr>
+          <p:nvPr>
+            <p:ph type="dt" idx="1"/>
+          </p:nvPr>
+        </p:nvSpPr>
+        <p:spPr>
+          <a:xfrm>
+            <a:off x="3884613" y="0"/>
+            <a:ext cx="2971800" cy="458788"/>
+          </a:xfrm>
+          <a:prstGeom prst="rect">
+            <a:avLst/>
+          </a:prstGeom>
+        </p:spPr>
+        <p:txBody>
+          <a:bodyPr vert="horz" lIns="91440" tIns="45720" rIns="91440" bIns="45720" rtlCol="0"/>
+          <a:lstStyle>
+            <a:lvl1pPr algn="r">
+              <a:defRPr sz="1200"/>
+            </a:lvl1pPr>
+          </a:lstStyle>
+          <a:p>
+            <a:fld id="{EE73DE52-BB83-CF4B-A5D7-04F131E9BA25}" type="datetimeFigureOut">
+              <a:rPr lang="en-NL" smtClean="0"/>
+              <a:t>16/05/2021</a:t>
+            </a:fld>
+            <a:endParaRPr lang="en-NL"/>
+          </a:p>
+        </p:txBody>
+      </p:sp>
+      <p:sp>
+        <p:nvSpPr>
+          <p:cNvPr id="4" name="Slide Image Placeholder 3"/>
+          <p:cNvSpPr>
+            <a:spLocks noGrp="1" noRot="1" noChangeAspect="1"/>
+          </p:cNvSpPr>
+          <p:nvPr>
+            <p:ph type="sldImg" idx="2"/>
+          </p:nvPr>
+        </p:nvSpPr>
+        <p:spPr>
+          <a:xfrm>
+            <a:off x="685800" y="1143000"/>
+            <a:ext cx="5486400" cy="3086100"/>
+          </a:xfrm>
+          <a:prstGeom prst="rect">
+            <a:avLst/>
+          </a:prstGeom>
+          <a:noFill/>
+          <a:ln w="12700">
+            <a:solidFill>
+              <a:prstClr val="black"/>
+            </a:solidFill>
+          </a:ln>
+        </p:spPr>
+        <p:txBody>
+          <a:bodyPr vert="horz" lIns="91440" tIns="45720" rIns="91440" bIns="45720" rtlCol="0" anchor="ctr"/>
+          <a:lstStyle/>
+          <a:p>
+            <a:endParaRPr lang="en-NL"/>
+          </a:p>
+        </p:txBody>
+      </p:sp>
+      <p:sp>
+        <p:nvSpPr>
+          <p:cNvPr id="5" name="Notes Placeholder 4"/>
+          <p:cNvSpPr>
+            <a:spLocks noGrp="1"/>
+          </p:cNvSpPr>
+          <p:nvPr>
+            <p:ph type="body" sz="quarter" idx="3"/>
+          </p:nvPr>
+        </p:nvSpPr>
+        <p:spPr>
+          <a:xfrm>
+            <a:off x="685800" y="4400550"/>
+            <a:ext cx="5486400" cy="3600450"/>
+          </a:xfrm>
+          <a:prstGeom prst="rect">
+            <a:avLst/>
+          </a:prstGeom>
+        </p:spPr>
+        <p:txBody>
+          <a:bodyPr vert="horz" lIns="91440" tIns="45720" rIns="91440" bIns="45720" rtlCol="0"/>
+          <a:lstStyle/>
+          <a:p>
+            <a:pPr lvl="0"/>
+            <a:r>
+              <a:rPr lang="en-GB"/>
+              <a:t>Click to edit Master text styles</a:t>
+            </a:r>
+          </a:p>
+          <a:p>
+            <a:pPr lvl="1"/>
+            <a:r>
+              <a:rPr lang="en-GB"/>
+              <a:t>Second level</a:t>
+            </a:r>
+          </a:p>
+          <a:p>
+            <a:pPr lvl="2"/>
+            <a:r>
+              <a:rPr lang="en-GB"/>
+              <a:t>Third level</a:t>
+            </a:r>
+          </a:p>
+          <a:p>
+            <a:pPr lvl="3"/>
+            <a:r>
+              <a:rPr lang="en-GB"/>
+              <a:t>Fourth level</a:t>
+            </a:r>
+          </a:p>
+          <a:p>
+            <a:pPr lvl="4"/>
+            <a:r>
+              <a:rPr lang="en-GB"/>
+              <a:t>Fifth level</a:t>
+            </a:r>
+            <a:endParaRPr lang="en-NL"/>
+          </a:p>
+        </p:txBody>
+      </p:sp>
+      <p:sp>
+        <p:nvSpPr>
+          <p:cNvPr id="6" name="Footer Placeholder 5"/>
+          <p:cNvSpPr>
+            <a:spLocks noGrp="1"/>
+          </p:cNvSpPr>
+          <p:nvPr>
+            <p:ph type="ftr" sz="quarter" idx="4"/>
+          </p:nvPr>
+        </p:nvSpPr>
+        <p:spPr>
+          <a:xfrm>
+            <a:off x="0" y="8685213"/>
+            <a:ext cx="2971800" cy="458787"/>
+          </a:xfrm>
+          <a:prstGeom prst="rect">
+            <a:avLst/>
+          </a:prstGeom>
+        </p:spPr>
+        <p:txBody>
+          <a:bodyPr vert="horz" lIns="91440" tIns="45720" rIns="91440" bIns="45720" rtlCol="0" anchor="b"/>
+          <a:lstStyle>
+            <a:lvl1pPr algn="l">
+              <a:defRPr sz="1200"/>
+            </a:lvl1pPr>
+          </a:lstStyle>
+          <a:p>
+            <a:endParaRPr lang="en-NL"/>
+          </a:p>
+        </p:txBody>
+      </p:sp>
+      <p:sp>
+        <p:nvSpPr>
+          <p:cNvPr id="7" name="Slide Number Placeholder 6"/>
+          <p:cNvSpPr>
+            <a:spLocks noGrp="1"/>
+          </p:cNvSpPr>
+          <p:nvPr>
+            <p:ph type="sldNum" sz="quarter" idx="5"/>
+          </p:nvPr>
+        </p:nvSpPr>
+        <p:spPr>
+          <a:xfrm>
+            <a:off x="3884613" y="8685213"/>
+            <a:ext cx="2971800" cy="458787"/>
+          </a:xfrm>
+          <a:prstGeom prst="rect">
+            <a:avLst/>
+          </a:prstGeom>
+        </p:spPr>
+        <p:txBody>
+          <a:bodyPr vert="horz" lIns="91440" tIns="45720" rIns="91440" bIns="45720" rtlCol="0" anchor="b"/>
+          <a:lstStyle>
+            <a:lvl1pPr algn="r">
+              <a:defRPr sz="1200"/>
+            </a:lvl1pPr>
+          </a:lstStyle>
+          <a:p>
+            <a:fld id="{E1B4C22D-AC50-7C4E-8179-24F704A7E3DB}" type="slidenum">
+              <a:rPr lang="en-NL" smtClean="0"/>
+              <a:t>‹#›</a:t>
+            </a:fld>
+            <a:endParaRPr lang="en-NL"/>
+          </a:p>
+        </p:txBody>
+      </p:sp>
+    </p:spTree>
+    <p:extLst>
+      <p:ext uri="{BB962C8B-B14F-4D97-AF65-F5344CB8AC3E}">
+        <p14:creationId xmlns:p14="http://schemas.microsoft.com/office/powerpoint/2010/main" val="1990549014"/>
+      </p:ext>
+    </p:extLst>
+  </p:cSld>
+  <p:clrMap bg1="lt1" tx1="dk1" bg2="lt2" tx2="dk2" accent1="accent1" accent2="accent2" accent3="accent3" accent4="accent4" accent5="accent5" accent6="accent6" hlink="hlink" folHlink="folHlink"/>
+  <p:notesStyle>
+    <a:lvl1pPr marL="0" algn="l" defTabSz="914400" rtl="0" eaLnBrk="1" latinLnBrk="0" hangingPunct="1">
+      <a:defRPr sz="1200" kern="1200">
+        <a:solidFill>
+          <a:schemeClr val="tx1"/>
+        </a:solidFill>
+        <a:latin typeface="+mn-lt"/>
+        <a:ea typeface="+mn-ea"/>
+        <a:cs typeface="+mn-cs"/>
+      </a:defRPr>
+    </a:lvl1pPr>
+    <a:lvl2pPr marL="457200" algn="l" defTabSz="914400" rtl="0" eaLnBrk="1" latinLnBrk="0" hangingPunct="1">
+      <a:defRPr sz="1200" kern="1200">
+        <a:solidFill>
+          <a:schemeClr val="tx1"/>
+        </a:solidFill>
+        <a:latin typeface="+mn-lt"/>
+        <a:ea typeface="+mn-ea"/>
+        <a:cs typeface="+mn-cs"/>
+      </a:defRPr>
+    </a:lvl2pPr>
+    <a:lvl3pPr marL="914400" algn="l" defTabSz="914400" rtl="0" eaLnBrk="1" latinLnBrk="0" hangingPunct="1">
+      <a:defRPr sz="1200" kern="1200">
+        <a:solidFill>
+          <a:schemeClr val="tx1"/>
+        </a:solidFill>
+        <a:latin typeface="+mn-lt"/>
+        <a:ea typeface="+mn-ea"/>
+        <a:cs typeface="+mn-cs"/>
+      </a:defRPr>
+    </a:lvl3pPr>
+    <a:lvl4pPr marL="1371600" algn="l" defTabSz="914400" rtl="0" eaLnBrk="1" latinLnBrk="0" hangingPunct="1">
+      <a:defRPr sz="1200" kern="1200">
+        <a:solidFill>
+          <a:schemeClr val="tx1"/>
+        </a:solidFill>
+        <a:latin typeface="+mn-lt"/>
+        <a:ea typeface="+mn-ea"/>
+        <a:cs typeface="+mn-cs"/>
+      </a:defRPr>
+    </a:lvl4pPr>
+    <a:lvl5pPr marL="1828800" algn="l" defTabSz="914400" rtl="0" eaLnBrk="1" latinLnBrk="0" hangingPunct="1">
+      <a:defRPr sz="1200" kern="1200">
+        <a:solidFill>
+          <a:schemeClr val="tx1"/>
+        </a:solidFill>
+        <a:latin typeface="+mn-lt"/>
+        <a:ea typeface="+mn-ea"/>
+        <a:cs typeface="+mn-cs"/>
+      </a:defRPr>
+    </a:lvl5pPr>
+    <a:lvl6pPr marL="2286000" algn="l" defTabSz="914400" rtl="0" eaLnBrk="1" latinLnBrk="0" hangingPunct="1">
+      <a:defRPr sz="1200" kern="1200">
+        <a:solidFill>
+          <a:schemeClr val="tx1"/>
+        </a:solidFill>
+        <a:latin typeface="+mn-lt"/>
+        <a:ea typeface="+mn-ea"/>
+        <a:cs typeface="+mn-cs"/>
+      </a:defRPr>
+    </a:lvl6pPr>
+    <a:lvl7pPr marL="2743200" algn="l" defTabSz="914400" rtl="0" eaLnBrk="1" latinLnBrk="0" hangingPunct="1">
+      <a:defRPr sz="1200" kern="1200">
+        <a:solidFill>
+          <a:schemeClr val="tx1"/>
+        </a:solidFill>
+        <a:latin typeface="+mn-lt"/>
+        <a:ea typeface="+mn-ea"/>
+        <a:cs typeface="+mn-cs"/>
+      </a:defRPr>
+    </a:lvl7pPr>
+    <a:lvl8pPr marL="3200400" algn="l" defTabSz="914400" rtl="0" eaLnBrk="1" latinLnBrk="0" hangingPunct="1">
+      <a:defRPr sz="1200" kern="1200">
+        <a:solidFill>
+          <a:schemeClr val="tx1"/>
+        </a:solidFill>
+        <a:latin typeface="+mn-lt"/>
+        <a:ea typeface="+mn-ea"/>
+        <a:cs typeface="+mn-cs"/>
+      </a:defRPr>
+    </a:lvl8pPr>
+    <a:lvl9pPr marL="3657600" algn="l" defTabSz="914400" rtl="0" eaLnBrk="1" latinLnBrk="0" hangingPunct="1">
+      <a:defRPr sz="1200" kern="1200">
+        <a:solidFill>
+          <a:schemeClr val="tx1"/>
+        </a:solidFill>
+        <a:latin typeface="+mn-lt"/>
+        <a:ea typeface="+mn-ea"/>
+        <a:cs typeface="+mn-cs"/>
+      </a:defRPr>
+    </a:lvl9pPr>
+  </p:notesStyle>
+</p:notesMaster>
+</file>
+
+<file path=ppt/notesSlides/notesSlide1.xml><?xml version="1.0" encoding="utf-8"?>
+<p:notes xmlns:a="http://schemas.openxmlformats.org/drawingml/2006/main" xmlns:r="http://schemas.openxmlformats.org/officeDocument/2006/relationships" xmlns:p="http://schemas.openxmlformats.org/presentationml/2006/main">
+  <p:cSld>
+    <p:spTree>
+      <p:nvGrpSpPr>
+        <p:cNvPr id="1" name=""/>
+        <p:cNvGrpSpPr/>
+        <p:nvPr/>
+      </p:nvGrpSpPr>
+      <p:grpSpPr>
+        <a:xfrm>
+          <a:off x="0" y="0"/>
+          <a:ext cx="0" cy="0"/>
+          <a:chOff x="0" y="0"/>
+          <a:chExt cx="0" cy="0"/>
+        </a:xfrm>
+      </p:grpSpPr>
+      <p:sp>
+        <p:nvSpPr>
+          <p:cNvPr id="2" name="Slide Image Placeholder 1"/>
+          <p:cNvSpPr>
+            <a:spLocks noGrp="1" noRot="1" noChangeAspect="1"/>
+          </p:cNvSpPr>
+          <p:nvPr>
+            <p:ph type="sldImg"/>
+          </p:nvPr>
+        </p:nvSpPr>
+        <p:spPr/>
+      </p:sp>
+      <p:sp>
+        <p:nvSpPr>
+          <p:cNvPr id="3" name="Notes Placeholder 2"/>
+          <p:cNvSpPr>
+            <a:spLocks noGrp="1"/>
+          </p:cNvSpPr>
+          <p:nvPr>
+            <p:ph type="body" idx="1"/>
+          </p:nvPr>
+        </p:nvSpPr>
+        <p:spPr/>
+        <p:txBody>
+          <a:bodyPr/>
+          <a:lstStyle/>
+          <a:p>
+            <a:endParaRPr lang="en-NL" dirty="0"/>
+          </a:p>
+        </p:txBody>
+      </p:sp>
+      <p:sp>
+        <p:nvSpPr>
+          <p:cNvPr id="4" name="Slide Number Placeholder 3"/>
+          <p:cNvSpPr>
+            <a:spLocks noGrp="1"/>
+          </p:cNvSpPr>
+          <p:nvPr>
+            <p:ph type="sldNum" sz="quarter" idx="5"/>
+          </p:nvPr>
+        </p:nvSpPr>
+        <p:spPr/>
+        <p:txBody>
+          <a:bodyPr/>
+          <a:lstStyle/>
+          <a:p>
+            <a:fld id="{E1B4C22D-AC50-7C4E-8179-24F704A7E3DB}" type="slidenum">
+              <a:rPr lang="en-NL" smtClean="0"/>
+              <a:t>1</a:t>
+            </a:fld>
+            <a:endParaRPr lang="en-NL"/>
+          </a:p>
+        </p:txBody>
+      </p:sp>
+    </p:spTree>
+    <p:extLst>
+      <p:ext uri="{BB962C8B-B14F-4D97-AF65-F5344CB8AC3E}">
+        <p14:creationId xmlns:p14="http://schemas.microsoft.com/office/powerpoint/2010/main" val="1848617093"/>
+      </p:ext>
+    </p:extLst>
+  </p:cSld>
+  <p:clrMapOvr>
+    <a:masterClrMapping/>
+  </p:clrMapOvr>
+</p:notes>
 </file>
 
 <file path=ppt/slideLayouts/slideLayout1.xml><?xml version="1.0" encoding="utf-8"?>
@@ -400,7 +843,7 @@
             <a:fld id="{08B9EBBA-996F-894A-B54A-D6246ED52CEA}" type="datetimeFigureOut">
               <a:rPr lang="en-US" dirty="0"/>
               <a:pPr/>
-              <a:t>5/12/21</a:t>
+              <a:t>5/16/21</a:t>
             </a:fld>
             <a:endParaRPr lang="en-US" dirty="0"/>
           </a:p>
@@ -715,7 +1158,7 @@
             <a:fld id="{18C79C5D-2A6F-F04D-97DA-BEF2467B64E4}" type="datetimeFigureOut">
               <a:rPr lang="en-US" dirty="0"/>
               <a:pPr/>
-              <a:t>5/12/21</a:t>
+              <a:t>5/16/21</a:t>
             </a:fld>
             <a:endParaRPr lang="en-US" dirty="0"/>
           </a:p>
@@ -1200,7 +1643,7 @@
             <a:fld id="{8DFA1846-DA80-1C48-A609-854EA85C59AD}" type="datetimeFigureOut">
               <a:rPr lang="en-US" dirty="0"/>
               <a:pPr/>
-              <a:t>5/12/21</a:t>
+              <a:t>5/16/21</a:t>
             </a:fld>
             <a:endParaRPr lang="en-US" dirty="0"/>
           </a:p>
@@ -1566,7 +2009,7 @@
             <a:fld id="{FBF54567-0DE4-3F47-BF90-CB84690072F9}" type="datetimeFigureOut">
               <a:rPr lang="en-US" dirty="0"/>
               <a:pPr/>
-              <a:t>5/12/21</a:t>
+              <a:t>5/16/21</a:t>
             </a:fld>
             <a:endParaRPr lang="en-US" dirty="0"/>
           </a:p>
@@ -1836,7 +2279,7 @@
             <a:fld id="{C6C52C72-DE31-F449-A4ED-4C594FD91407}" type="datetimeFigureOut">
               <a:rPr lang="en-US" dirty="0"/>
               <a:pPr/>
-              <a:t>5/12/21</a:t>
+              <a:t>5/16/21</a:t>
             </a:fld>
             <a:endParaRPr lang="en-US" dirty="0"/>
           </a:p>
@@ -2118,7 +2561,7 @@
             <a:fld id="{ED62726E-379B-B349-9EED-81ED093FA806}" type="datetimeFigureOut">
               <a:rPr lang="en-US" dirty="0"/>
               <a:pPr/>
-              <a:t>5/12/21</a:t>
+              <a:t>5/16/21</a:t>
             </a:fld>
             <a:endParaRPr lang="en-US" dirty="0"/>
           </a:p>
@@ -2398,7 +2841,7 @@
             <a:fld id="{9B3A1323-8D79-1946-B0D7-40001CF92E9D}" type="datetimeFigureOut">
               <a:rPr lang="en-US" dirty="0"/>
               <a:pPr/>
-              <a:t>5/12/21</a:t>
+              <a:t>5/16/21</a:t>
             </a:fld>
             <a:endParaRPr lang="en-US" dirty="0"/>
           </a:p>
@@ -2738,7 +3181,7 @@
             <a:fld id="{8DFA1846-DA80-1C48-A609-854EA85C59AD}" type="datetimeFigureOut">
               <a:rPr lang="en-US" dirty="0"/>
               <a:pPr/>
-              <a:t>5/12/21</a:t>
+              <a:t>5/16/21</a:t>
             </a:fld>
             <a:endParaRPr lang="en-US" dirty="0"/>
           </a:p>
@@ -3074,7 +3517,7 @@
             <a:fld id="{57302355-E14B-8545-A8F8-0FE83CC9D524}" type="datetimeFigureOut">
               <a:rPr lang="en-US" dirty="0"/>
               <a:pPr/>
-              <a:t>5/12/21</a:t>
+              <a:t>5/16/21</a:t>
             </a:fld>
             <a:endParaRPr lang="en-US" dirty="0"/>
           </a:p>
@@ -3548,7 +3991,7 @@
             <a:fld id="{02640F58-564D-2B4F-AE67-E407BA4FCF45}" type="datetimeFigureOut">
               <a:rPr lang="en-US" dirty="0"/>
               <a:pPr/>
-              <a:t>5/12/21</a:t>
+              <a:t>5/16/21</a:t>
             </a:fld>
             <a:endParaRPr lang="en-US" dirty="0"/>
           </a:p>
@@ -3766,7 +4209,7 @@
             <a:fld id="{F13A34C8-038E-2045-AF43-DF7DBB8E0E9E}" type="datetimeFigureOut">
               <a:rPr lang="en-US" dirty="0"/>
               <a:pPr/>
-              <a:t>5/12/21</a:t>
+              <a:t>5/16/21</a:t>
             </a:fld>
             <a:endParaRPr lang="en-US" dirty="0"/>
           </a:p>
@@ -3858,7 +4301,7 @@
             <a:fld id="{8818C68F-D26B-8F47-958C-23B49CF8A634}" type="datetimeFigureOut">
               <a:rPr lang="en-US" dirty="0"/>
               <a:pPr/>
-              <a:t>5/12/21</a:t>
+              <a:t>5/16/21</a:t>
             </a:fld>
             <a:endParaRPr lang="en-US" dirty="0"/>
           </a:p>
@@ -4322,7 +4765,7 @@
             <a:fld id="{D0DF5E60-9974-AC48-9591-99C2BB44B7CF}" type="datetimeFigureOut">
               <a:rPr lang="en-US" dirty="0"/>
               <a:pPr/>
-              <a:t>5/12/21</a:t>
+              <a:t>5/16/21</a:t>
             </a:fld>
             <a:endParaRPr lang="en-US" dirty="0"/>
           </a:p>
@@ -4632,7 +5075,7 @@
             <a:fld id="{18C79C5D-2A6F-F04D-97DA-BEF2467B64E4}" type="datetimeFigureOut">
               <a:rPr lang="en-US" dirty="0"/>
               <a:pPr/>
-              <a:t>5/12/21</a:t>
+              <a:t>5/16/21</a:t>
             </a:fld>
             <a:endParaRPr lang="en-US" dirty="0"/>
           </a:p>
@@ -4902,7 +5345,7 @@
             <a:fld id="{09B482E8-6E0E-1B4F-B1FD-C69DB9E858D9}" type="datetimeFigureOut">
               <a:rPr lang="en-US" dirty="0"/>
               <a:pPr/>
-              <a:t>5/12/21</a:t>
+              <a:t>5/16/21</a:t>
             </a:fld>
             <a:endParaRPr lang="en-US" dirty="0"/>
           </a:p>
@@ -5378,14 +5821,14 @@
           <a:lstStyle/>
           <a:p>
             <a:r>
-              <a:rPr lang="en-GB" dirty="0">
+              <a:rPr lang="en-GB" spc="-150" dirty="0">
                 <a:latin typeface="Futura Medium" panose="020B0602020204020303" pitchFamily="34" charset="-79"/>
                 <a:cs typeface="Futura Medium" panose="020B0602020204020303" pitchFamily="34" charset="-79"/>
               </a:rPr>
-              <a:t>S</a:t>
-            </a:r>
-            <a:r>
-              <a:rPr lang="en-NL" dirty="0">
+              <a:t>s</a:t>
+            </a:r>
+            <a:r>
+              <a:rPr lang="en-NL" spc="-150" dirty="0">
                 <a:latin typeface="Futura Medium" panose="020B0602020204020303" pitchFamily="34" charset="-79"/>
                 <a:cs typeface="Futura Medium" panose="020B0602020204020303" pitchFamily="34" charset="-79"/>
               </a:rPr>
@@ -5410,17 +5853,24 @@
             <p:ph type="subTitle" idx="1"/>
           </p:nvPr>
         </p:nvSpPr>
-        <p:spPr/>
-        <p:txBody>
-          <a:bodyPr/>
+        <p:spPr>
+          <a:xfrm>
+            <a:off x="810000" y="5191366"/>
+            <a:ext cx="10572000" cy="434974"/>
+          </a:xfrm>
+        </p:spPr>
+        <p:txBody>
+          <a:bodyPr>
+            <a:noAutofit/>
+          </a:bodyPr>
           <a:lstStyle/>
           <a:p>
             <a:r>
-              <a:rPr lang="en-NL" dirty="0">
+              <a:rPr lang="en-NL" sz="2400" spc="-150" dirty="0">
                 <a:latin typeface="Futura Medium" panose="020B0602020204020303" pitchFamily="34" charset="-79"/>
                 <a:cs typeface="Futura Medium" panose="020B0602020204020303" pitchFamily="34" charset="-79"/>
               </a:rPr>
-              <a:t>Samed Polat</a:t>
+              <a:t>samed polat</a:t>
             </a:r>
           </a:p>
         </p:txBody>
@@ -5440,7 +5890,7 @@
           <p:nvPr/>
         </p:nvPicPr>
         <p:blipFill rotWithShape="1">
-          <a:blip r:embed="rId2"/>
+          <a:blip r:embed="rId3"/>
           <a:srcRect l="79474" t="2442" b="-1"/>
           <a:stretch/>
         </p:blipFill>
@@ -5509,18 +5959,18 @@
           <a:lstStyle/>
           <a:p>
             <a:r>
-              <a:rPr lang="en-GB" dirty="0">
+              <a:rPr lang="en-GB" spc="-150" dirty="0">
                 <a:latin typeface="Futura Medium" panose="020B0602020204020303" pitchFamily="34" charset="-79"/>
                 <a:cs typeface="Futura Medium" panose="020B0602020204020303" pitchFamily="34" charset="-79"/>
               </a:rPr>
-              <a:t>M</a:t>
-            </a:r>
-            <a:r>
-              <a:rPr lang="en-NL" dirty="0">
+              <a:t>m</a:t>
+            </a:r>
+            <a:r>
+              <a:rPr lang="en-NL" spc="-150" dirty="0">
                 <a:latin typeface="Futura Medium" panose="020B0602020204020303" pitchFamily="34" charset="-79"/>
                 <a:cs typeface="Futura Medium" panose="020B0602020204020303" pitchFamily="34" charset="-79"/>
               </a:rPr>
-              <a:t>ijn Make-it-rain idee</a:t>
+              <a:t>ijn make-it-rain idee</a:t>
             </a:r>
           </a:p>
         </p:txBody>
@@ -5543,47 +5993,56 @@
         </p:nvSpPr>
         <p:spPr/>
         <p:txBody>
-          <a:bodyPr/>
+          <a:bodyPr>
+            <a:normAutofit/>
+          </a:bodyPr>
           <a:lstStyle/>
           <a:p>
             <a:r>
-              <a:rPr lang="en-GB" dirty="0">
-                <a:latin typeface="Futura Medium" panose="020B0602020204020303" pitchFamily="34" charset="-79"/>
-                <a:cs typeface="Futura Medium" panose="020B0602020204020303" pitchFamily="34" charset="-79"/>
+              <a:rPr lang="en-GB" sz="2400" spc="-150" dirty="0">
+                <a:latin typeface="Aharoni" panose="02010803020104030203" pitchFamily="2" charset="-79"/>
+                <a:cs typeface="Aharoni" panose="02010803020104030203" pitchFamily="2" charset="-79"/>
               </a:rPr>
-              <a:t>C</a:t>
-            </a:r>
-            <a:r>
-              <a:rPr lang="en-NL" dirty="0">
-                <a:latin typeface="Futura Medium" panose="020B0602020204020303" pitchFamily="34" charset="-79"/>
-                <a:cs typeface="Futura Medium" panose="020B0602020204020303" pitchFamily="34" charset="-79"/>
+              <a:t>c</a:t>
+            </a:r>
+            <a:r>
+              <a:rPr lang="en-NL" sz="2400" spc="-150" dirty="0">
+                <a:latin typeface="Aharoni" panose="02010803020104030203" pitchFamily="2" charset="-79"/>
+                <a:cs typeface="Aharoni" panose="02010803020104030203" pitchFamily="2" charset="-79"/>
               </a:rPr>
               <a:t>orono abonnement</a:t>
             </a:r>
           </a:p>
           <a:p>
             <a:r>
-              <a:rPr lang="en-GB" dirty="0">
-                <a:latin typeface="Futura Medium" panose="020B0602020204020303" pitchFamily="34" charset="-79"/>
-                <a:cs typeface="Futura Medium" panose="020B0602020204020303" pitchFamily="34" charset="-79"/>
+              <a:rPr lang="en-GB" sz="2400" spc="-150" dirty="0" err="1">
+                <a:latin typeface="Aharoni" panose="02010803020104030203" pitchFamily="2" charset="-79"/>
+                <a:cs typeface="Aharoni" panose="02010803020104030203" pitchFamily="2" charset="-79"/>
               </a:rPr>
-              <a:t>Afspraakloos w</a:t>
-            </a:r>
-            <a:r>
-              <a:rPr lang="en-NL" dirty="0">
-                <a:latin typeface="Futura Medium" panose="020B0602020204020303" pitchFamily="34" charset="-79"/>
-                <a:cs typeface="Futura Medium" panose="020B0602020204020303" pitchFamily="34" charset="-79"/>
+              <a:t>afspraakloos</a:t>
+            </a:r>
+            <a:r>
+              <a:rPr lang="en-GB" sz="2400" spc="-150" dirty="0">
+                <a:latin typeface="Aharoni" panose="02010803020104030203" pitchFamily="2" charset="-79"/>
+                <a:cs typeface="Aharoni" panose="02010803020104030203" pitchFamily="2" charset="-79"/>
+              </a:rPr>
+              <a:t> w</a:t>
+            </a:r>
+            <a:r>
+              <a:rPr lang="en-NL" sz="2400" spc="-150" dirty="0">
+                <a:latin typeface="Aharoni" panose="02010803020104030203" pitchFamily="2" charset="-79"/>
+                <a:cs typeface="Aharoni" panose="02010803020104030203" pitchFamily="2" charset="-79"/>
               </a:rPr>
               <a:t>inkels &amp; horeca in </a:t>
             </a:r>
           </a:p>
           <a:p>
             <a:r>
-              <a:rPr lang="en-NL" dirty="0">
-                <a:latin typeface="Futura Medium" panose="020B0602020204020303" pitchFamily="34" charset="-79"/>
-                <a:cs typeface="Futura Medium" panose="020B0602020204020303" pitchFamily="34" charset="-79"/>
+              <a:rPr lang="en-NL" sz="2400" spc="-150" dirty="0">
+                <a:latin typeface="Aharoni" panose="02010803020104030203" pitchFamily="2" charset="-79"/>
+                <a:cs typeface="Aharoni" panose="02010803020104030203" pitchFamily="2" charset="-79"/>
               </a:rPr>
-              <a:t>3 Abonnementen</a:t>
+              <a:t>3 abonnementen</a:t>
             </a:r>
           </a:p>
         </p:txBody>
@@ -5639,12 +6098,16 @@
         </p:blipFill>
         <p:spPr>
           <a:xfrm>
-            <a:off x="8879924" y="2743411"/>
+            <a:off x="9152785" y="2743411"/>
             <a:ext cx="2744034" cy="2744034"/>
           </a:xfrm>
           <a:prstGeom prst="rect">
             <a:avLst/>
           </a:prstGeom>
+          <a:noFill/>
+          <a:effectLst>
+            <a:reflection stA="90000" endPos="30000" dist="50800" dir="5400000" sy="-100000" algn="bl" rotWithShape="0"/>
+          </a:effectLst>
         </p:spPr>
       </p:pic>
       <p:pic>
@@ -5674,13 +6137,20 @@
         </p:blipFill>
         <p:spPr bwMode="auto">
           <a:xfrm>
-            <a:off x="5546361" y="2743411"/>
+            <a:off x="6095999" y="2743411"/>
             <a:ext cx="2751714" cy="2744034"/>
           </a:xfrm>
           <a:prstGeom prst="rect">
             <a:avLst/>
           </a:prstGeom>
           <a:noFill/>
+          <a:effectLst>
+            <a:glow>
+              <a:schemeClr val="accent1"/>
+            </a:glow>
+            <a:reflection stA="90454" endPos="30000" dist="50800" dir="5400000" sy="-100000" algn="bl" rotWithShape="0"/>
+            <a:softEdge rad="0"/>
+          </a:effectLst>
           <a:extLst>
             <a:ext uri="{909E8E84-426E-40DD-AFC4-6F175D3DCCD1}">
               <a14:hiddenFill xmlns:a14="http://schemas.microsoft.com/office/drawing/2010/main">
@@ -5959,11 +6429,12 @@
           <a:lstStyle/>
           <a:p>
             <a:r>
-              <a:rPr lang="en-NL" dirty="0">
+              <a:rPr lang="en-NL" spc="-300" dirty="0">
                 <a:latin typeface="Futura Medium" panose="020B0602020204020303" pitchFamily="34" charset="-79"/>
+                <a:ea typeface="Apple Color Emoji" pitchFamily="2" charset="0"/>
                 <a:cs typeface="Futura Medium" panose="020B0602020204020303" pitchFamily="34" charset="-79"/>
               </a:rPr>
-              <a:t>Doelgroep</a:t>
+              <a:t>doelgroep</a:t>
             </a:r>
           </a:p>
         </p:txBody>
@@ -5986,26 +6457,28 @@
         </p:nvSpPr>
         <p:spPr/>
         <p:txBody>
-          <a:bodyPr/>
+          <a:bodyPr>
+            <a:normAutofit/>
+          </a:bodyPr>
           <a:lstStyle/>
           <a:p>
             <a:r>
-              <a:rPr lang="nl-NL" dirty="0">
+              <a:rPr lang="nl-NL" sz="2400" spc="-150" dirty="0">
                 <a:latin typeface="Futura Medium" panose="020B0602020204020303" pitchFamily="34" charset="-79"/>
                 <a:cs typeface="Futura Medium" panose="020B0602020204020303" pitchFamily="34" charset="-79"/>
               </a:rPr>
-              <a:t>Brede doelgroep</a:t>
-            </a:r>
-          </a:p>
-          <a:p>
-            <a:r>
-              <a:rPr lang="nl-NL" dirty="0">
+              <a:t>brede doelgroep</a:t>
+            </a:r>
+          </a:p>
+          <a:p>
+            <a:r>
+              <a:rPr lang="nl-NL" sz="2400" spc="-150" dirty="0">
                 <a:latin typeface="Futura Medium" panose="020B0602020204020303" pitchFamily="34" charset="-79"/>
                 <a:cs typeface="Futura Medium" panose="020B0602020204020303" pitchFamily="34" charset="-79"/>
               </a:rPr>
-              <a:t>Mensen, vriendengroepen en families die weer vrij willen winkelen of eten bij een restaurant.</a:t>
-            </a:r>
-            <a:endParaRPr lang="en-NL" dirty="0">
+              <a:t>mensen, vriendengroepen en families die weer vrij willen winkelen of eten bij een restaurant.</a:t>
+            </a:r>
+            <a:endParaRPr lang="en-NL" sz="2400" spc="-150" dirty="0">
               <a:latin typeface="Futura Medium" panose="020B0602020204020303" pitchFamily="34" charset="-79"/>
               <a:cs typeface="Futura Medium" panose="020B0602020204020303" pitchFamily="34" charset="-79"/>
             </a:endParaRPr>
@@ -6060,6 +6533,14 @@
 <file path=ppt/slides/slide4.xml><?xml version="1.0" encoding="utf-8"?>
 <p:sld xmlns:a="http://schemas.openxmlformats.org/drawingml/2006/main" xmlns:r="http://schemas.openxmlformats.org/officeDocument/2006/relationships" xmlns:p="http://schemas.openxmlformats.org/presentationml/2006/main">
   <p:cSld>
+    <p:bg>
+      <p:bgPr>
+        <a:solidFill>
+          <a:schemeClr val="bg1"/>
+        </a:solidFill>
+        <a:effectLst/>
+      </p:bgPr>
+    </p:bg>
     <p:spTree>
       <p:nvGrpSpPr>
         <p:cNvPr id="1" name=""/>
@@ -6076,6 +6557,397 @@
       </p:grpSpPr>
       <p:sp>
         <p:nvSpPr>
+          <p:cNvPr id="11" name="Freeform 6">
+            <a:extLst>
+              <a:ext uri="{FF2B5EF4-FFF2-40B4-BE49-F238E27FC236}">
+                <a16:creationId xmlns:a16="http://schemas.microsoft.com/office/drawing/2014/main" id="{133F8CB7-795C-4272-9073-64D8CF97F220}"/>
+              </a:ext>
+              <a:ext uri="{C183D7F6-B498-43B3-948B-1728B52AA6E4}">
+                <adec:decorative xmlns:adec="http://schemas.microsoft.com/office/drawing/2017/decorative" val="1"/>
+              </a:ext>
+            </a:extLst>
+          </p:cNvPr>
+          <p:cNvSpPr>
+            <a:spLocks noGrp="1" noRot="1" noChangeAspect="1" noMove="1" noResize="1" noEditPoints="1" noAdjustHandles="1" noChangeArrowheads="1" noChangeShapeType="1" noTextEdit="1"/>
+          </p:cNvSpPr>
+          <p:nvPr>
+            <p:extLst>
+              <p:ext uri="{386F3935-93C4-4BCD-93E2-E3B085C9AB24}">
+                <p16:designElem xmlns:p16="http://schemas.microsoft.com/office/powerpoint/2015/main" val="1"/>
+              </p:ext>
+            </p:extLst>
+          </p:nvPr>
+        </p:nvSpPr>
+        <p:spPr bwMode="auto">
+          <a:xfrm>
+            <a:off x="0" y="-3175"/>
+            <a:ext cx="12192000" cy="5203825"/>
+          </a:xfrm>
+          <a:custGeom>
+            <a:avLst/>
+            <a:gdLst/>
+            <a:ahLst/>
+            <a:cxnLst/>
+            <a:rect l="0" t="0" r="r" b="b"/>
+            <a:pathLst>
+              <a:path w="5760" h="3278">
+                <a:moveTo>
+                  <a:pt x="5760" y="0"/>
+                </a:moveTo>
+                <a:lnTo>
+                  <a:pt x="0" y="0"/>
+                </a:lnTo>
+                <a:lnTo>
+                  <a:pt x="0" y="3090"/>
+                </a:lnTo>
+                <a:lnTo>
+                  <a:pt x="943" y="3090"/>
+                </a:lnTo>
+                <a:lnTo>
+                  <a:pt x="1123" y="3270"/>
+                </a:lnTo>
+                <a:lnTo>
+                  <a:pt x="1123" y="3270"/>
+                </a:lnTo>
+                <a:lnTo>
+                  <a:pt x="1127" y="3272"/>
+                </a:lnTo>
+                <a:lnTo>
+                  <a:pt x="1133" y="3275"/>
+                </a:lnTo>
+                <a:lnTo>
+                  <a:pt x="1139" y="3278"/>
+                </a:lnTo>
+                <a:lnTo>
+                  <a:pt x="1144" y="3278"/>
+                </a:lnTo>
+                <a:lnTo>
+                  <a:pt x="1150" y="3278"/>
+                </a:lnTo>
+                <a:lnTo>
+                  <a:pt x="1155" y="3275"/>
+                </a:lnTo>
+                <a:lnTo>
+                  <a:pt x="1161" y="3272"/>
+                </a:lnTo>
+                <a:lnTo>
+                  <a:pt x="1165" y="3270"/>
+                </a:lnTo>
+                <a:lnTo>
+                  <a:pt x="1345" y="3090"/>
+                </a:lnTo>
+                <a:lnTo>
+                  <a:pt x="5760" y="3090"/>
+                </a:lnTo>
+                <a:lnTo>
+                  <a:pt x="5760" y="0"/>
+                </a:lnTo>
+                <a:close/>
+              </a:path>
+            </a:pathLst>
+          </a:custGeom>
+          <a:ln/>
+          <a:effectLst/>
+          <a:extLst>
+            <a:ext uri="{91240B29-F687-4f45-9708-019B960494DF}">
+              <a14:hiddenLine xmlns="" xmlns:a16="http://schemas.microsoft.com/office/drawing/2014/main" xmlns:p14="http://schemas.microsoft.com/office/powerpoint/2010/main" xmlns:a14="http://schemas.microsoft.com/office/drawing/2010/main" w="9525">
+                <a:solidFill>
+                  <a:srgbClr val="000000"/>
+                </a:solidFill>
+                <a:round/>
+                <a:headEnd/>
+                <a:tailEnd/>
+              </a14:hiddenLine>
+            </a:ext>
+          </a:extLst>
+        </p:spPr>
+        <p:style>
+          <a:lnRef idx="1">
+            <a:schemeClr val="accent1"/>
+          </a:lnRef>
+          <a:fillRef idx="3">
+            <a:schemeClr val="accent1"/>
+          </a:fillRef>
+          <a:effectRef idx="2">
+            <a:schemeClr val="accent1"/>
+          </a:effectRef>
+          <a:fontRef idx="minor">
+            <a:schemeClr val="lt1"/>
+          </a:fontRef>
+        </p:style>
+      </p:sp>
+      <p:sp>
+        <p:nvSpPr>
+          <p:cNvPr id="13" name="Rectangle 12">
+            <a:extLst>
+              <a:ext uri="{FF2B5EF4-FFF2-40B4-BE49-F238E27FC236}">
+                <a16:creationId xmlns:a16="http://schemas.microsoft.com/office/drawing/2014/main" id="{B7743172-17A8-4FA4-8434-B813E03B7665}"/>
+              </a:ext>
+              <a:ext uri="{C183D7F6-B498-43B3-948B-1728B52AA6E4}">
+                <adec:decorative xmlns:adec="http://schemas.microsoft.com/office/drawing/2017/decorative" val="1"/>
+              </a:ext>
+            </a:extLst>
+          </p:cNvPr>
+          <p:cNvSpPr>
+            <a:spLocks noGrp="1" noRot="1" noChangeAspect="1" noMove="1" noResize="1" noEditPoints="1" noAdjustHandles="1" noChangeArrowheads="1" noChangeShapeType="1" noTextEdit="1"/>
+          </p:cNvSpPr>
+          <p:nvPr>
+            <p:extLst>
+              <p:ext uri="{386F3935-93C4-4BCD-93E2-E3B085C9AB24}">
+                <p16:designElem xmlns:p16="http://schemas.microsoft.com/office/powerpoint/2015/main" val="1"/>
+              </p:ext>
+            </p:extLst>
+          </p:nvPr>
+        </p:nvSpPr>
+        <p:spPr>
+          <a:xfrm>
+            <a:off x="0" y="0"/>
+            <a:ext cx="12192000" cy="6858000"/>
+          </a:xfrm>
+          <a:prstGeom prst="rect">
+            <a:avLst/>
+          </a:prstGeom>
+          <a:solidFill>
+            <a:schemeClr val="bg1"/>
+          </a:solidFill>
+          <a:ln>
+            <a:noFill/>
+          </a:ln>
+        </p:spPr>
+        <p:style>
+          <a:lnRef idx="2">
+            <a:schemeClr val="accent1">
+              <a:shade val="50000"/>
+            </a:schemeClr>
+          </a:lnRef>
+          <a:fillRef idx="1">
+            <a:schemeClr val="accent1"/>
+          </a:fillRef>
+          <a:effectRef idx="0">
+            <a:schemeClr val="accent1"/>
+          </a:effectRef>
+          <a:fontRef idx="minor">
+            <a:schemeClr val="lt1"/>
+          </a:fontRef>
+        </p:style>
+        <p:txBody>
+          <a:bodyPr rtlCol="0" anchor="ctr"/>
+          <a:lstStyle/>
+          <a:p>
+            <a:pPr algn="ctr"/>
+            <a:endParaRPr lang="en-US"/>
+          </a:p>
+        </p:txBody>
+      </p:sp>
+      <p:sp>
+        <p:nvSpPr>
+          <p:cNvPr id="15" name="Freeform 23">
+            <a:extLst>
+              <a:ext uri="{FF2B5EF4-FFF2-40B4-BE49-F238E27FC236}">
+                <a16:creationId xmlns:a16="http://schemas.microsoft.com/office/drawing/2014/main" id="{4CE1233C-FD2F-489E-BFDE-086F5FED6491}"/>
+              </a:ext>
+              <a:ext uri="{C183D7F6-B498-43B3-948B-1728B52AA6E4}">
+                <adec:decorative xmlns:adec="http://schemas.microsoft.com/office/drawing/2017/decorative" val="1"/>
+              </a:ext>
+            </a:extLst>
+          </p:cNvPr>
+          <p:cNvSpPr>
+            <a:spLocks noGrp="1" noRot="1" noChangeAspect="1" noMove="1" noResize="1" noEditPoints="1" noAdjustHandles="1" noChangeArrowheads="1" noChangeShapeType="1" noTextEdit="1"/>
+          </p:cNvSpPr>
+          <p:nvPr>
+            <p:extLst>
+              <p:ext uri="{386F3935-93C4-4BCD-93E2-E3B085C9AB24}">
+                <p16:designElem xmlns:p16="http://schemas.microsoft.com/office/powerpoint/2015/main" val="1"/>
+              </p:ext>
+            </p:extLst>
+          </p:nvPr>
+        </p:nvSpPr>
+        <p:spPr bwMode="white">
+          <a:xfrm>
+            <a:off x="0" y="0"/>
+            <a:ext cx="4637005" cy="6858000"/>
+          </a:xfrm>
+          <a:custGeom>
+            <a:avLst/>
+            <a:gdLst>
+              <a:gd name="connsiteX0" fmla="*/ 0 w 4637005"/>
+              <a:gd name="connsiteY0" fmla="*/ 0 h 6858000"/>
+              <a:gd name="connsiteX1" fmla="*/ 4637005 w 4637005"/>
+              <a:gd name="connsiteY1" fmla="*/ 0 h 6858000"/>
+              <a:gd name="connsiteX2" fmla="*/ 4637005 w 4637005"/>
+              <a:gd name="connsiteY2" fmla="*/ 1900238 h 6858000"/>
+              <a:gd name="connsiteX3" fmla="*/ 4266589 w 4637005"/>
+              <a:gd name="connsiteY3" fmla="*/ 2178050 h 6858000"/>
+              <a:gd name="connsiteX4" fmla="*/ 4262355 w 4637005"/>
+              <a:gd name="connsiteY4" fmla="*/ 2184400 h 6858000"/>
+              <a:gd name="connsiteX5" fmla="*/ 4256005 w 4637005"/>
+              <a:gd name="connsiteY5" fmla="*/ 2193925 h 6858000"/>
+              <a:gd name="connsiteX6" fmla="*/ 4249655 w 4637005"/>
+              <a:gd name="connsiteY6" fmla="*/ 2201863 h 6858000"/>
+              <a:gd name="connsiteX7" fmla="*/ 4249655 w 4637005"/>
+              <a:gd name="connsiteY7" fmla="*/ 2211388 h 6858000"/>
+              <a:gd name="connsiteX8" fmla="*/ 4249655 w 4637005"/>
+              <a:gd name="connsiteY8" fmla="*/ 2220913 h 6858000"/>
+              <a:gd name="connsiteX9" fmla="*/ 4256005 w 4637005"/>
+              <a:gd name="connsiteY9" fmla="*/ 2228850 h 6858000"/>
+              <a:gd name="connsiteX10" fmla="*/ 4262355 w 4637005"/>
+              <a:gd name="connsiteY10" fmla="*/ 2238375 h 6858000"/>
+              <a:gd name="connsiteX11" fmla="*/ 4266589 w 4637005"/>
+              <a:gd name="connsiteY11" fmla="*/ 2244725 h 6858000"/>
+              <a:gd name="connsiteX12" fmla="*/ 4637005 w 4637005"/>
+              <a:gd name="connsiteY12" fmla="*/ 2522538 h 6858000"/>
+              <a:gd name="connsiteX13" fmla="*/ 4637005 w 4637005"/>
+              <a:gd name="connsiteY13" fmla="*/ 6858000 h 6858000"/>
+              <a:gd name="connsiteX14" fmla="*/ 0 w 4637005"/>
+              <a:gd name="connsiteY14" fmla="*/ 6858000 h 6858000"/>
+            </a:gdLst>
+            <a:ahLst/>
+            <a:cxnLst>
+              <a:cxn ang="0">
+                <a:pos x="connsiteX0" y="connsiteY0"/>
+              </a:cxn>
+              <a:cxn ang="0">
+                <a:pos x="connsiteX1" y="connsiteY1"/>
+              </a:cxn>
+              <a:cxn ang="0">
+                <a:pos x="connsiteX2" y="connsiteY2"/>
+              </a:cxn>
+              <a:cxn ang="0">
+                <a:pos x="connsiteX3" y="connsiteY3"/>
+              </a:cxn>
+              <a:cxn ang="0">
+                <a:pos x="connsiteX4" y="connsiteY4"/>
+              </a:cxn>
+              <a:cxn ang="0">
+                <a:pos x="connsiteX5" y="connsiteY5"/>
+              </a:cxn>
+              <a:cxn ang="0">
+                <a:pos x="connsiteX6" y="connsiteY6"/>
+              </a:cxn>
+              <a:cxn ang="0">
+                <a:pos x="connsiteX7" y="connsiteY7"/>
+              </a:cxn>
+              <a:cxn ang="0">
+                <a:pos x="connsiteX8" y="connsiteY8"/>
+              </a:cxn>
+              <a:cxn ang="0">
+                <a:pos x="connsiteX9" y="connsiteY9"/>
+              </a:cxn>
+              <a:cxn ang="0">
+                <a:pos x="connsiteX10" y="connsiteY10"/>
+              </a:cxn>
+              <a:cxn ang="0">
+                <a:pos x="connsiteX11" y="connsiteY11"/>
+              </a:cxn>
+              <a:cxn ang="0">
+                <a:pos x="connsiteX12" y="connsiteY12"/>
+              </a:cxn>
+              <a:cxn ang="0">
+                <a:pos x="connsiteX13" y="connsiteY13"/>
+              </a:cxn>
+              <a:cxn ang="0">
+                <a:pos x="connsiteX14" y="connsiteY14"/>
+              </a:cxn>
+            </a:cxnLst>
+            <a:rect l="l" t="t" r="r" b="b"/>
+            <a:pathLst>
+              <a:path w="4637005" h="6858000">
+                <a:moveTo>
+                  <a:pt x="0" y="0"/>
+                </a:moveTo>
+                <a:lnTo>
+                  <a:pt x="4637005" y="0"/>
+                </a:lnTo>
+                <a:lnTo>
+                  <a:pt x="4637005" y="1900238"/>
+                </a:lnTo>
+                <a:lnTo>
+                  <a:pt x="4266589" y="2178050"/>
+                </a:lnTo>
+                <a:lnTo>
+                  <a:pt x="4262355" y="2184400"/>
+                </a:lnTo>
+                <a:lnTo>
+                  <a:pt x="4256005" y="2193925"/>
+                </a:lnTo>
+                <a:lnTo>
+                  <a:pt x="4249655" y="2201863"/>
+                </a:lnTo>
+                <a:lnTo>
+                  <a:pt x="4249655" y="2211388"/>
+                </a:lnTo>
+                <a:lnTo>
+                  <a:pt x="4249655" y="2220913"/>
+                </a:lnTo>
+                <a:lnTo>
+                  <a:pt x="4256005" y="2228850"/>
+                </a:lnTo>
+                <a:lnTo>
+                  <a:pt x="4262355" y="2238375"/>
+                </a:lnTo>
+                <a:lnTo>
+                  <a:pt x="4266589" y="2244725"/>
+                </a:lnTo>
+                <a:lnTo>
+                  <a:pt x="4637005" y="2522538"/>
+                </a:lnTo>
+                <a:lnTo>
+                  <a:pt x="4637005" y="6858000"/>
+                </a:lnTo>
+                <a:lnTo>
+                  <a:pt x="0" y="6858000"/>
+                </a:lnTo>
+                <a:close/>
+              </a:path>
+            </a:pathLst>
+          </a:custGeom>
+          <a:blipFill>
+            <a:blip r:embed="rId2">
+              <a:duotone>
+                <a:schemeClr val="accent1">
+                  <a:tint val="98000"/>
+                  <a:lumMod val="102000"/>
+                </a:schemeClr>
+                <a:schemeClr val="accent1">
+                  <a:shade val="98000"/>
+                  <a:lumMod val="98000"/>
+                </a:schemeClr>
+              </a:duotone>
+            </a:blip>
+            <a:tile tx="0" ty="0" sx="100000" sy="100000" flip="none" algn="tl"/>
+          </a:blipFill>
+          <a:ln>
+            <a:headEnd/>
+            <a:tailEnd/>
+          </a:ln>
+        </p:spPr>
+        <p:style>
+          <a:lnRef idx="1">
+            <a:schemeClr val="accent1"/>
+          </a:lnRef>
+          <a:fillRef idx="3">
+            <a:schemeClr val="accent1"/>
+          </a:fillRef>
+          <a:effectRef idx="2">
+            <a:schemeClr val="accent1"/>
+          </a:effectRef>
+          <a:fontRef idx="minor">
+            <a:schemeClr val="lt1"/>
+          </a:fontRef>
+        </p:style>
+        <p:txBody>
+          <a:bodyPr wrap="square" rtlCol="0" anchor="ctr">
+            <a:noAutofit/>
+          </a:bodyPr>
+          <a:lstStyle/>
+          <a:p>
+            <a:pPr algn="ctr"/>
+            <a:endParaRPr lang="en-US"/>
+          </a:p>
+        </p:txBody>
+      </p:sp>
+      <p:sp>
+        <p:nvSpPr>
           <p:cNvPr id="2" name="Title 1">
             <a:extLst>
               <a:ext uri="{FF2B5EF4-FFF2-40B4-BE49-F238E27FC236}">
@@ -6090,6 +6962,143 @@
             <p:ph type="title"/>
           </p:nvPr>
         </p:nvSpPr>
+        <p:spPr>
+          <a:xfrm>
+            <a:off x="451514" y="1800225"/>
+            <a:ext cx="3444211" cy="4241136"/>
+          </a:xfrm>
+        </p:spPr>
+        <p:txBody>
+          <a:bodyPr vert="horz" lIns="91440" tIns="45720" rIns="91440" bIns="45720" rtlCol="0" anchor="t">
+            <a:normAutofit/>
+          </a:bodyPr>
+          <a:lstStyle/>
+          <a:p>
+            <a:r>
+              <a:rPr lang="en-US" sz="4400" spc="-300"/>
+              <a:t>wireframe</a:t>
+            </a:r>
+          </a:p>
+        </p:txBody>
+      </p:sp>
+      <p:pic>
+        <p:nvPicPr>
+          <p:cNvPr id="6" name="Content Placeholder 5" descr="Chart&#10;&#10;Description automatically generated">
+            <a:extLst>
+              <a:ext uri="{FF2B5EF4-FFF2-40B4-BE49-F238E27FC236}">
+                <a16:creationId xmlns:a16="http://schemas.microsoft.com/office/drawing/2014/main" id="{2EFB3CF9-D7E0-054C-A455-3E15D05ED72C}"/>
+              </a:ext>
+            </a:extLst>
+          </p:cNvPr>
+          <p:cNvPicPr>
+            <a:picLocks noGrp="1" noChangeAspect="1"/>
+          </p:cNvPicPr>
+          <p:nvPr>
+            <p:ph idx="1"/>
+          </p:nvPr>
+        </p:nvPicPr>
+        <p:blipFill>
+          <a:blip r:embed="rId3"/>
+          <a:stretch>
+            <a:fillRect/>
+          </a:stretch>
+        </p:blipFill>
+        <p:spPr>
+          <a:xfrm>
+            <a:off x="5312263" y="643465"/>
+            <a:ext cx="6204479" cy="5397897"/>
+          </a:xfrm>
+          <a:prstGeom prst="roundRect">
+            <a:avLst>
+              <a:gd name="adj" fmla="val 3876"/>
+            </a:avLst>
+          </a:prstGeom>
+          <a:ln>
+            <a:solidFill>
+              <a:schemeClr val="accent1"/>
+            </a:solidFill>
+          </a:ln>
+          <a:effectLst/>
+        </p:spPr>
+      </p:pic>
+      <p:pic>
+        <p:nvPicPr>
+          <p:cNvPr id="4" name="Picture 3">
+            <a:extLst>
+              <a:ext uri="{FF2B5EF4-FFF2-40B4-BE49-F238E27FC236}">
+                <a16:creationId xmlns:a16="http://schemas.microsoft.com/office/drawing/2014/main" id="{047EBBDC-9BCF-8D4E-A226-997F4D89FB65}"/>
+              </a:ext>
+            </a:extLst>
+          </p:cNvPr>
+          <p:cNvPicPr>
+            <a:picLocks noChangeAspect="1"/>
+          </p:cNvPicPr>
+          <p:nvPr/>
+        </p:nvPicPr>
+        <p:blipFill rotWithShape="1">
+          <a:blip r:embed="rId4"/>
+          <a:srcRect l="79474" t="2442" b="-1"/>
+          <a:stretch/>
+        </p:blipFill>
+        <p:spPr>
+          <a:xfrm>
+            <a:off x="11381998" y="200355"/>
+            <a:ext cx="514821" cy="493666"/>
+          </a:xfrm>
+          <a:prstGeom prst="rect">
+            <a:avLst/>
+          </a:prstGeom>
+        </p:spPr>
+      </p:pic>
+    </p:spTree>
+    <p:extLst>
+      <p:ext uri="{BB962C8B-B14F-4D97-AF65-F5344CB8AC3E}">
+        <p14:creationId xmlns:p14="http://schemas.microsoft.com/office/powerpoint/2010/main" val="3824821898"/>
+      </p:ext>
+    </p:extLst>
+  </p:cSld>
+  <p:clrMapOvr>
+    <a:overrideClrMapping bg1="lt1" tx1="dk1" bg2="lt2" tx2="dk2" accent1="accent1" accent2="accent2" accent3="accent3" accent4="accent4" accent5="accent5" accent6="accent6" hlink="hlink" folHlink="folHlink"/>
+  </p:clrMapOvr>
+  <p:transition spd="slow">
+    <p:push dir="u"/>
+  </p:transition>
+</p:sld>
+</file>
+
+<file path=ppt/slides/slide5.xml><?xml version="1.0" encoding="utf-8"?>
+<p:sld xmlns:a="http://schemas.openxmlformats.org/drawingml/2006/main" xmlns:r="http://schemas.openxmlformats.org/officeDocument/2006/relationships" xmlns:p="http://schemas.openxmlformats.org/presentationml/2006/main">
+  <p:cSld>
+    <p:spTree>
+      <p:nvGrpSpPr>
+        <p:cNvPr id="1" name=""/>
+        <p:cNvGrpSpPr/>
+        <p:nvPr/>
+      </p:nvGrpSpPr>
+      <p:grpSpPr>
+        <a:xfrm>
+          <a:off x="0" y="0"/>
+          <a:ext cx="0" cy="0"/>
+          <a:chOff x="0" y="0"/>
+          <a:chExt cx="0" cy="0"/>
+        </a:xfrm>
+      </p:grpSpPr>
+      <p:sp>
+        <p:nvSpPr>
+          <p:cNvPr id="2" name="Title 1">
+            <a:extLst>
+              <a:ext uri="{FF2B5EF4-FFF2-40B4-BE49-F238E27FC236}">
+                <a16:creationId xmlns:a16="http://schemas.microsoft.com/office/drawing/2014/main" id="{2C3D9554-0023-7241-8595-31B7F031F788}"/>
+              </a:ext>
+            </a:extLst>
+          </p:cNvPr>
+          <p:cNvSpPr>
+            <a:spLocks noGrp="1"/>
+          </p:cNvSpPr>
+          <p:nvPr>
+            <p:ph type="title"/>
+          </p:nvPr>
+        </p:nvSpPr>
         <p:spPr/>
         <p:txBody>
           <a:bodyPr/>
@@ -6132,75 +7141,75 @@
           <a:lstStyle/>
           <a:p>
             <a:r>
-              <a:rPr lang="en-GB" dirty="0">
+              <a:rPr lang="en-GB" sz="2400" spc="-150" dirty="0">
                 <a:latin typeface="Futura Medium" panose="020B0602020204020303" pitchFamily="34" charset="-79"/>
                 <a:cs typeface="Futura Medium" panose="020B0602020204020303" pitchFamily="34" charset="-79"/>
               </a:rPr>
-              <a:t>Begin </a:t>
-            </a:r>
-            <a:r>
-              <a:rPr lang="en-GB" dirty="0" err="1">
+              <a:t>begin </a:t>
+            </a:r>
+            <a:r>
+              <a:rPr lang="en-GB" sz="2400" spc="-150" dirty="0" err="1">
                 <a:latin typeface="Futura Medium" panose="020B0602020204020303" pitchFamily="34" charset="-79"/>
                 <a:cs typeface="Futura Medium" panose="020B0602020204020303" pitchFamily="34" charset="-79"/>
               </a:rPr>
               <a:t>landingpage</a:t>
             </a:r>
-            <a:endParaRPr lang="en-GB" dirty="0">
+            <a:endParaRPr lang="en-GB" sz="2400" spc="-150" dirty="0">
               <a:latin typeface="Futura Medium" panose="020B0602020204020303" pitchFamily="34" charset="-79"/>
               <a:cs typeface="Futura Medium" panose="020B0602020204020303" pitchFamily="34" charset="-79"/>
             </a:endParaRPr>
           </a:p>
           <a:p>
             <a:r>
-              <a:rPr lang="en-GB" dirty="0">
+              <a:rPr lang="en-GB" sz="2400" spc="-150" dirty="0">
                 <a:latin typeface="Futura Medium" panose="020B0602020204020303" pitchFamily="34" charset="-79"/>
                 <a:cs typeface="Futura Medium" panose="020B0602020204020303" pitchFamily="34" charset="-79"/>
               </a:rPr>
-              <a:t>Support page met </a:t>
-            </a:r>
-            <a:r>
-              <a:rPr lang="en-GB" dirty="0" err="1">
+              <a:t>support page met </a:t>
+            </a:r>
+            <a:r>
+              <a:rPr lang="en-GB" sz="2400" spc="-150" dirty="0" err="1">
                 <a:latin typeface="Futura Medium" panose="020B0602020204020303" pitchFamily="34" charset="-79"/>
                 <a:cs typeface="Futura Medium" panose="020B0602020204020303" pitchFamily="34" charset="-79"/>
               </a:rPr>
               <a:t>veelgestelde</a:t>
             </a:r>
             <a:r>
-              <a:rPr lang="en-GB" dirty="0">
+              <a:rPr lang="en-GB" sz="2400" spc="-150" dirty="0">
                 <a:latin typeface="Futura Medium" panose="020B0602020204020303" pitchFamily="34" charset="-79"/>
                 <a:cs typeface="Futura Medium" panose="020B0602020204020303" pitchFamily="34" charset="-79"/>
               </a:rPr>
               <a:t> </a:t>
             </a:r>
             <a:r>
-              <a:rPr lang="en-GB" dirty="0" err="1">
+              <a:rPr lang="en-GB" sz="2400" spc="-150" dirty="0" err="1">
                 <a:latin typeface="Futura Medium" panose="020B0602020204020303" pitchFamily="34" charset="-79"/>
                 <a:cs typeface="Futura Medium" panose="020B0602020204020303" pitchFamily="34" charset="-79"/>
               </a:rPr>
               <a:t>vragen</a:t>
             </a:r>
-            <a:endParaRPr lang="en-GB" dirty="0">
+            <a:endParaRPr lang="en-GB" sz="2400" spc="-150" dirty="0">
               <a:latin typeface="Futura Medium" panose="020B0602020204020303" pitchFamily="34" charset="-79"/>
               <a:cs typeface="Futura Medium" panose="020B0602020204020303" pitchFamily="34" charset="-79"/>
             </a:endParaRPr>
           </a:p>
           <a:p>
             <a:r>
-              <a:rPr lang="en-GB" dirty="0">
+              <a:rPr lang="en-GB" sz="2400" spc="-150" dirty="0">
                 <a:latin typeface="Futura Medium" panose="020B0602020204020303" pitchFamily="34" charset="-79"/>
                 <a:cs typeface="Futura Medium" panose="020B0602020204020303" pitchFamily="34" charset="-79"/>
               </a:rPr>
-              <a:t>Over </a:t>
-            </a:r>
-            <a:r>
-              <a:rPr lang="en-GB" dirty="0" err="1">
+              <a:t>over </a:t>
+            </a:r>
+            <a:r>
+              <a:rPr lang="en-GB" sz="2400" spc="-150" dirty="0" err="1">
                 <a:latin typeface="Futura Medium" panose="020B0602020204020303" pitchFamily="34" charset="-79"/>
                 <a:cs typeface="Futura Medium" panose="020B0602020204020303" pitchFamily="34" charset="-79"/>
               </a:rPr>
               <a:t>ons</a:t>
             </a:r>
             <a:r>
-              <a:rPr lang="en-GB" dirty="0">
+              <a:rPr lang="en-GB" sz="2400" spc="-150" dirty="0">
                 <a:latin typeface="Futura Medium" panose="020B0602020204020303" pitchFamily="34" charset="-79"/>
                 <a:cs typeface="Futura Medium" panose="020B0602020204020303" pitchFamily="34" charset="-79"/>
               </a:rPr>
@@ -6209,35 +7218,35 @@
           </a:p>
           <a:p>
             <a:r>
-              <a:rPr lang="en-GB" dirty="0">
+              <a:rPr lang="en-GB" sz="2400" spc="-150" dirty="0">
                 <a:latin typeface="Futura Medium" panose="020B0602020204020303" pitchFamily="34" charset="-79"/>
                 <a:cs typeface="Futura Medium" panose="020B0602020204020303" pitchFamily="34" charset="-79"/>
               </a:rPr>
-              <a:t>Begin </a:t>
-            </a:r>
-            <a:r>
-              <a:rPr lang="en-GB" dirty="0" err="1">
+              <a:t>begin </a:t>
+            </a:r>
+            <a:r>
+              <a:rPr lang="en-GB" sz="2400" spc="-150" dirty="0" err="1">
                 <a:latin typeface="Futura Medium" panose="020B0602020204020303" pitchFamily="34" charset="-79"/>
                 <a:cs typeface="Futura Medium" panose="020B0602020204020303" pitchFamily="34" charset="-79"/>
               </a:rPr>
               <a:t>gemaakt</a:t>
             </a:r>
             <a:r>
-              <a:rPr lang="en-GB" dirty="0">
+              <a:rPr lang="en-GB" sz="2400" spc="-150" dirty="0">
                 <a:latin typeface="Futura Medium" panose="020B0602020204020303" pitchFamily="34" charset="-79"/>
                 <a:cs typeface="Futura Medium" panose="020B0602020204020303" pitchFamily="34" charset="-79"/>
               </a:rPr>
               <a:t> </a:t>
             </a:r>
             <a:r>
-              <a:rPr lang="en-GB" dirty="0" err="1">
+              <a:rPr lang="en-GB" sz="2400" spc="-150" dirty="0" err="1">
                 <a:latin typeface="Futura Medium" panose="020B0602020204020303" pitchFamily="34" charset="-79"/>
                 <a:cs typeface="Futura Medium" panose="020B0602020204020303" pitchFamily="34" charset="-79"/>
               </a:rPr>
               <a:t>aan</a:t>
             </a:r>
             <a:r>
-              <a:rPr lang="en-GB" dirty="0">
+              <a:rPr lang="en-GB" sz="2400" spc="-150" dirty="0">
                 <a:latin typeface="Futura Medium" panose="020B0602020204020303" pitchFamily="34" charset="-79"/>
                 <a:cs typeface="Futura Medium" panose="020B0602020204020303" pitchFamily="34" charset="-79"/>
               </a:rPr>
@@ -6245,20 +7254,20 @@
             </a:r>
           </a:p>
           <a:p>
-            <a:endParaRPr lang="en-GB" dirty="0">
+            <a:endParaRPr lang="en-GB" sz="2400" spc="-150" dirty="0">
               <a:latin typeface="Futura Medium" panose="020B0602020204020303" pitchFamily="34" charset="-79"/>
               <a:cs typeface="Futura Medium" panose="020B0602020204020303" pitchFamily="34" charset="-79"/>
             </a:endParaRPr>
           </a:p>
           <a:p>
             <a:r>
-              <a:rPr lang="en-GB" dirty="0">
+              <a:rPr lang="en-GB" sz="2400" spc="-150" dirty="0">
                 <a:latin typeface="Futura Medium" panose="020B0602020204020303" pitchFamily="34" charset="-79"/>
                 <a:cs typeface="Futura Medium" panose="020B0602020204020303" pitchFamily="34" charset="-79"/>
               </a:rPr>
-              <a:t>User stories</a:t>
-            </a:r>
-            <a:endParaRPr lang="en-NL" dirty="0">
+              <a:t>user stories</a:t>
+            </a:r>
+            <a:endParaRPr lang="en-NL" sz="2400" spc="-150" dirty="0">
               <a:latin typeface="Futura Medium" panose="020B0602020204020303" pitchFamily="34" charset="-79"/>
               <a:cs typeface="Futura Medium" panose="020B0602020204020303" pitchFamily="34" charset="-79"/>
             </a:endParaRPr>
@@ -6316,7 +7325,7 @@
 </p:sld>
 </file>
 
-<file path=ppt/slides/slide5.xml><?xml version="1.0" encoding="utf-8"?>
+<file path=ppt/slides/slide6.xml><?xml version="1.0" encoding="utf-8"?>
 <p:sld xmlns:a="http://schemas.openxmlformats.org/drawingml/2006/main" xmlns:r="http://schemas.openxmlformats.org/officeDocument/2006/relationships" xmlns:p="http://schemas.openxmlformats.org/presentationml/2006/main">
   <p:cSld>
     <p:spTree>
@@ -6484,7 +7493,7 @@
 </p:sld>
 </file>
 
-<file path=ppt/slides/slide6.xml><?xml version="1.0" encoding="utf-8"?>
+<file path=ppt/slides/slide7.xml><?xml version="1.0" encoding="utf-8"?>
 <p:sld xmlns:a="http://schemas.openxmlformats.org/drawingml/2006/main" xmlns:r="http://schemas.openxmlformats.org/officeDocument/2006/relationships" xmlns:p="http://schemas.openxmlformats.org/presentationml/2006/main">
   <p:cSld>
     <p:spTree>
@@ -6550,11 +7559,13 @@
         </p:nvSpPr>
         <p:spPr/>
         <p:txBody>
-          <a:bodyPr/>
+          <a:bodyPr>
+            <a:normAutofit/>
+          </a:bodyPr>
           <a:lstStyle/>
           <a:p>
             <a:r>
-              <a:rPr lang="en-NL" dirty="0">
+              <a:rPr lang="en-NL" sz="2400" spc="-150" dirty="0">
                 <a:latin typeface="Futura Medium" panose="020B0602020204020303" pitchFamily="34" charset="-79"/>
                 <a:cs typeface="Futura Medium" panose="020B0602020204020303" pitchFamily="34" charset="-79"/>
                 <a:hlinkClick r:id="rId2">
@@ -6567,7 +7578,7 @@
               </a:rPr>
               <a:t>corono</a:t>
             </a:r>
-            <a:endParaRPr lang="en-NL" dirty="0">
+            <a:endParaRPr lang="en-NL" sz="2400" spc="-150" dirty="0">
               <a:latin typeface="Futura Medium" panose="020B0602020204020303" pitchFamily="34" charset="-79"/>
               <a:cs typeface="Futura Medium" panose="020B0602020204020303" pitchFamily="34" charset="-79"/>
             </a:endParaRPr>
@@ -6625,7 +7636,7 @@
         </p:blipFill>
         <p:spPr>
           <a:xfrm>
-            <a:off x="6394498" y="2222287"/>
+            <a:off x="6394498" y="2337900"/>
             <a:ext cx="5244910" cy="2983042"/>
           </a:xfrm>
           <a:prstGeom prst="rect">
@@ -6887,4 +7898,299 @@
     </a:ext>
   </a:extLst>
 </a:theme>
+</file>
+
+<file path=ppt/theme/theme2.xml><?xml version="1.0" encoding="utf-8"?>
+<a:theme xmlns:a="http://schemas.openxmlformats.org/drawingml/2006/main" name="Office Theme">
+  <a:themeElements>
+    <a:clrScheme name="Office">
+      <a:dk1>
+        <a:sysClr val="windowText" lastClr="000000"/>
+      </a:dk1>
+      <a:lt1>
+        <a:sysClr val="window" lastClr="FFFFFF"/>
+      </a:lt1>
+      <a:dk2>
+        <a:srgbClr val="44546A"/>
+      </a:dk2>
+      <a:lt2>
+        <a:srgbClr val="E7E6E6"/>
+      </a:lt2>
+      <a:accent1>
+        <a:srgbClr val="4472C4"/>
+      </a:accent1>
+      <a:accent2>
+        <a:srgbClr val="ED7D31"/>
+      </a:accent2>
+      <a:accent3>
+        <a:srgbClr val="A5A5A5"/>
+      </a:accent3>
+      <a:accent4>
+        <a:srgbClr val="FFC000"/>
+      </a:accent4>
+      <a:accent5>
+        <a:srgbClr val="5B9BD5"/>
+      </a:accent5>
+      <a:accent6>
+        <a:srgbClr val="70AD47"/>
+      </a:accent6>
+      <a:hlink>
+        <a:srgbClr val="0563C1"/>
+      </a:hlink>
+      <a:folHlink>
+        <a:srgbClr val="954F72"/>
+      </a:folHlink>
+    </a:clrScheme>
+    <a:fontScheme name="Office">
+      <a:majorFont>
+        <a:latin typeface="Calibri Light" panose="020F0302020204030204"/>
+        <a:ea typeface=""/>
+        <a:cs typeface=""/>
+        <a:font script="Jpan" typeface="游ゴシック Light"/>
+        <a:font script="Hang" typeface="맑은 고딕"/>
+        <a:font script="Hans" typeface="等线 Light"/>
+        <a:font script="Hant" typeface="新細明體"/>
+        <a:font script="Arab" typeface="Times New Roman"/>
+        <a:font script="Hebr" typeface="Times New Roman"/>
+        <a:font script="Thai" typeface="Angsana New"/>
+        <a:font script="Ethi" typeface="Nyala"/>
+        <a:font script="Beng" typeface="Vrinda"/>
+        <a:font script="Gujr" typeface="Shruti"/>
+        <a:font script="Khmr" typeface="MoolBoran"/>
+        <a:font script="Knda" typeface="Tunga"/>
+        <a:font script="Guru" typeface="Raavi"/>
+        <a:font script="Cans" typeface="Euphemia"/>
+        <a:font script="Cher" typeface="Plantagenet Cherokee"/>
+        <a:font script="Yiii" typeface="Microsoft Yi Baiti"/>
+        <a:font script="Tibt" typeface="Microsoft Himalaya"/>
+        <a:font script="Thaa" typeface="MV Boli"/>
+        <a:font script="Deva" typeface="Mangal"/>
+        <a:font script="Telu" typeface="Gautami"/>
+        <a:font script="Taml" typeface="Latha"/>
+        <a:font script="Syrc" typeface="Estrangelo Edessa"/>
+        <a:font script="Orya" typeface="Kalinga"/>
+        <a:font script="Mlym" typeface="Kartika"/>
+        <a:font script="Laoo" typeface="DokChampa"/>
+        <a:font script="Sinh" typeface="Iskoola Pota"/>
+        <a:font script="Mong" typeface="Mongolian Baiti"/>
+        <a:font script="Viet" typeface="Times New Roman"/>
+        <a:font script="Uigh" typeface="Microsoft Uighur"/>
+        <a:font script="Geor" typeface="Sylfaen"/>
+        <a:font script="Armn" typeface="Arial"/>
+        <a:font script="Bugi" typeface="Leelawadee UI"/>
+        <a:font script="Bopo" typeface="Microsoft JhengHei"/>
+        <a:font script="Java" typeface="Javanese Text"/>
+        <a:font script="Lisu" typeface="Segoe UI"/>
+        <a:font script="Mymr" typeface="Myanmar Text"/>
+        <a:font script="Nkoo" typeface="Ebrima"/>
+        <a:font script="Olck" typeface="Nirmala UI"/>
+        <a:font script="Osma" typeface="Ebrima"/>
+        <a:font script="Phag" typeface="Phagspa"/>
+        <a:font script="Syrn" typeface="Estrangelo Edessa"/>
+        <a:font script="Syrj" typeface="Estrangelo Edessa"/>
+        <a:font script="Syre" typeface="Estrangelo Edessa"/>
+        <a:font script="Sora" typeface="Nirmala UI"/>
+        <a:font script="Tale" typeface="Microsoft Tai Le"/>
+        <a:font script="Talu" typeface="Microsoft New Tai Lue"/>
+        <a:font script="Tfng" typeface="Ebrima"/>
+      </a:majorFont>
+      <a:minorFont>
+        <a:latin typeface="Calibri" panose="020F0502020204030204"/>
+        <a:ea typeface=""/>
+        <a:cs typeface=""/>
+        <a:font script="Jpan" typeface="游ゴシック"/>
+        <a:font script="Hang" typeface="맑은 고딕"/>
+        <a:font script="Hans" typeface="等线"/>
+        <a:font script="Hant" typeface="新細明體"/>
+        <a:font script="Arab" typeface="Arial"/>
+        <a:font script="Hebr" typeface="Arial"/>
+        <a:font script="Thai" typeface="Cordia New"/>
+        <a:font script="Ethi" typeface="Nyala"/>
+        <a:font script="Beng" typeface="Vrinda"/>
+        <a:font script="Gujr" typeface="Shruti"/>
+        <a:font script="Khmr" typeface="DaunPenh"/>
+        <a:font script="Knda" typeface="Tunga"/>
+        <a:font script="Guru" typeface="Raavi"/>
+        <a:font script="Cans" typeface="Euphemia"/>
+        <a:font script="Cher" typeface="Plantagenet Cherokee"/>
+        <a:font script="Yiii" typeface="Microsoft Yi Baiti"/>
+        <a:font script="Tibt" typeface="Microsoft Himalaya"/>
+        <a:font script="Thaa" typeface="MV Boli"/>
+        <a:font script="Deva" typeface="Mangal"/>
+        <a:font script="Telu" typeface="Gautami"/>
+        <a:font script="Taml" typeface="Latha"/>
+        <a:font script="Syrc" typeface="Estrangelo Edessa"/>
+        <a:font script="Orya" typeface="Kalinga"/>
+        <a:font script="Mlym" typeface="Kartika"/>
+        <a:font script="Laoo" typeface="DokChampa"/>
+        <a:font script="Sinh" typeface="Iskoola Pota"/>
+        <a:font script="Mong" typeface="Mongolian Baiti"/>
+        <a:font script="Viet" typeface="Arial"/>
+        <a:font script="Uigh" typeface="Microsoft Uighur"/>
+        <a:font script="Geor" typeface="Sylfaen"/>
+        <a:font script="Armn" typeface="Arial"/>
+        <a:font script="Bugi" typeface="Leelawadee UI"/>
+        <a:font script="Bopo" typeface="Microsoft JhengHei"/>
+        <a:font script="Java" typeface="Javanese Text"/>
+        <a:font script="Lisu" typeface="Segoe UI"/>
+        <a:font script="Mymr" typeface="Myanmar Text"/>
+        <a:font script="Nkoo" typeface="Ebrima"/>
+        <a:font script="Olck" typeface="Nirmala UI"/>
+        <a:font script="Osma" typeface="Ebrima"/>
+        <a:font script="Phag" typeface="Phagspa"/>
+        <a:font script="Syrn" typeface="Estrangelo Edessa"/>
+        <a:font script="Syrj" typeface="Estrangelo Edessa"/>
+        <a:font script="Syre" typeface="Estrangelo Edessa"/>
+        <a:font script="Sora" typeface="Nirmala UI"/>
+        <a:font script="Tale" typeface="Microsoft Tai Le"/>
+        <a:font script="Talu" typeface="Microsoft New Tai Lue"/>
+        <a:font script="Tfng" typeface="Ebrima"/>
+      </a:minorFont>
+    </a:fontScheme>
+    <a:fmtScheme name="Office">
+      <a:fillStyleLst>
+        <a:solidFill>
+          <a:schemeClr val="phClr"/>
+        </a:solidFill>
+        <a:gradFill rotWithShape="1">
+          <a:gsLst>
+            <a:gs pos="0">
+              <a:schemeClr val="phClr">
+                <a:lumMod val="110000"/>
+                <a:satMod val="105000"/>
+                <a:tint val="67000"/>
+              </a:schemeClr>
+            </a:gs>
+            <a:gs pos="50000">
+              <a:schemeClr val="phClr">
+                <a:lumMod val="105000"/>
+                <a:satMod val="103000"/>
+                <a:tint val="73000"/>
+              </a:schemeClr>
+            </a:gs>
+            <a:gs pos="100000">
+              <a:schemeClr val="phClr">
+                <a:lumMod val="105000"/>
+                <a:satMod val="109000"/>
+                <a:tint val="81000"/>
+              </a:schemeClr>
+            </a:gs>
+          </a:gsLst>
+          <a:lin ang="5400000" scaled="0"/>
+        </a:gradFill>
+        <a:gradFill rotWithShape="1">
+          <a:gsLst>
+            <a:gs pos="0">
+              <a:schemeClr val="phClr">
+                <a:satMod val="103000"/>
+                <a:lumMod val="102000"/>
+                <a:tint val="94000"/>
+              </a:schemeClr>
+            </a:gs>
+            <a:gs pos="50000">
+              <a:schemeClr val="phClr">
+                <a:satMod val="110000"/>
+                <a:lumMod val="100000"/>
+                <a:shade val="100000"/>
+              </a:schemeClr>
+            </a:gs>
+            <a:gs pos="100000">
+              <a:schemeClr val="phClr">
+                <a:lumMod val="99000"/>
+                <a:satMod val="120000"/>
+                <a:shade val="78000"/>
+              </a:schemeClr>
+            </a:gs>
+          </a:gsLst>
+          <a:lin ang="5400000" scaled="0"/>
+        </a:gradFill>
+      </a:fillStyleLst>
+      <a:lnStyleLst>
+        <a:ln w="6350" cap="flat" cmpd="sng" algn="ctr">
+          <a:solidFill>
+            <a:schemeClr val="phClr"/>
+          </a:solidFill>
+          <a:prstDash val="solid"/>
+          <a:miter lim="800000"/>
+        </a:ln>
+        <a:ln w="12700" cap="flat" cmpd="sng" algn="ctr">
+          <a:solidFill>
+            <a:schemeClr val="phClr"/>
+          </a:solidFill>
+          <a:prstDash val="solid"/>
+          <a:miter lim="800000"/>
+        </a:ln>
+        <a:ln w="19050" cap="flat" cmpd="sng" algn="ctr">
+          <a:solidFill>
+            <a:schemeClr val="phClr"/>
+          </a:solidFill>
+          <a:prstDash val="solid"/>
+          <a:miter lim="800000"/>
+        </a:ln>
+      </a:lnStyleLst>
+      <a:effectStyleLst>
+        <a:effectStyle>
+          <a:effectLst/>
+        </a:effectStyle>
+        <a:effectStyle>
+          <a:effectLst/>
+        </a:effectStyle>
+        <a:effectStyle>
+          <a:effectLst>
+            <a:outerShdw blurRad="57150" dist="19050" dir="5400000" algn="ctr" rotWithShape="0">
+              <a:srgbClr val="000000">
+                <a:alpha val="63000"/>
+              </a:srgbClr>
+            </a:outerShdw>
+          </a:effectLst>
+        </a:effectStyle>
+      </a:effectStyleLst>
+      <a:bgFillStyleLst>
+        <a:solidFill>
+          <a:schemeClr val="phClr"/>
+        </a:solidFill>
+        <a:solidFill>
+          <a:schemeClr val="phClr">
+            <a:tint val="95000"/>
+            <a:satMod val="170000"/>
+          </a:schemeClr>
+        </a:solidFill>
+        <a:gradFill rotWithShape="1">
+          <a:gsLst>
+            <a:gs pos="0">
+              <a:schemeClr val="phClr">
+                <a:tint val="93000"/>
+                <a:satMod val="150000"/>
+                <a:shade val="98000"/>
+                <a:lumMod val="102000"/>
+              </a:schemeClr>
+            </a:gs>
+            <a:gs pos="50000">
+              <a:schemeClr val="phClr">
+                <a:tint val="98000"/>
+                <a:satMod val="130000"/>
+                <a:shade val="90000"/>
+                <a:lumMod val="103000"/>
+              </a:schemeClr>
+            </a:gs>
+            <a:gs pos="100000">
+              <a:schemeClr val="phClr">
+                <a:shade val="63000"/>
+                <a:satMod val="120000"/>
+              </a:schemeClr>
+            </a:gs>
+          </a:gsLst>
+          <a:lin ang="5400000" scaled="0"/>
+        </a:gradFill>
+      </a:bgFillStyleLst>
+    </a:fmtScheme>
+  </a:themeElements>
+  <a:objectDefaults/>
+  <a:extraClrSchemeLst/>
+  <a:extLst>
+    <a:ext uri="{05A4C25C-085E-4340-85A3-A5531E510DB2}">
+      <thm15:themeFamily xmlns:thm15="http://schemas.microsoft.com/office/thememl/2012/main" name="Office Theme" id="{62F939B6-93AF-4DB8-9C6B-D6C7DFDC589F}" vid="{4A3C46E8-61CC-4603-A589-7422A47A8E4A}"/>
+    </a:ext>
+  </a:extLst>
+</a:theme>
 </file>
--- a/documenten/corono-sprintreview-0.pptx
+++ b/documenten/corono-sprintreview-0.pptx
@@ -203,7 +203,7 @@
           <a:p>
             <a:fld id="{EE73DE52-BB83-CF4B-A5D7-04F131E9BA25}" type="datetimeFigureOut">
               <a:rPr lang="en-NL" smtClean="0"/>
-              <a:t>16/05/2021</a:t>
+              <a:t>17/05/2021</a:t>
             </a:fld>
             <a:endParaRPr lang="en-NL"/>
           </a:p>
@@ -650,7 +650,7 @@
           <a:effectLst/>
           <a:extLst>
             <a:ext uri="{91240B29-F687-4f45-9708-019B960494DF}">
-              <a14:hiddenLine xmlns:a14="http://schemas.microsoft.com/office/drawing/2010/main" xmlns="" w="9525">
+              <a14:hiddenLine xmlns="" xmlns:a14="http://schemas.microsoft.com/office/drawing/2010/main" w="9525">
                 <a:solidFill>
                   <a:srgbClr val="000000"/>
                 </a:solidFill>
@@ -843,7 +843,7 @@
             <a:fld id="{08B9EBBA-996F-894A-B54A-D6246ED52CEA}" type="datetimeFigureOut">
               <a:rPr lang="en-US" dirty="0"/>
               <a:pPr/>
-              <a:t>5/16/21</a:t>
+              <a:t>5/17/21</a:t>
             </a:fld>
             <a:endParaRPr lang="en-US" dirty="0"/>
           </a:p>
@@ -1158,7 +1158,7 @@
             <a:fld id="{18C79C5D-2A6F-F04D-97DA-BEF2467B64E4}" type="datetimeFigureOut">
               <a:rPr lang="en-US" dirty="0"/>
               <a:pPr/>
-              <a:t>5/16/21</a:t>
+              <a:t>5/17/21</a:t>
             </a:fld>
             <a:endParaRPr lang="en-US" dirty="0"/>
           </a:p>
@@ -1643,7 +1643,7 @@
             <a:fld id="{8DFA1846-DA80-1C48-A609-854EA85C59AD}" type="datetimeFigureOut">
               <a:rPr lang="en-US" dirty="0"/>
               <a:pPr/>
-              <a:t>5/16/21</a:t>
+              <a:t>5/17/21</a:t>
             </a:fld>
             <a:endParaRPr lang="en-US" dirty="0"/>
           </a:p>
@@ -2009,7 +2009,7 @@
             <a:fld id="{FBF54567-0DE4-3F47-BF90-CB84690072F9}" type="datetimeFigureOut">
               <a:rPr lang="en-US" dirty="0"/>
               <a:pPr/>
-              <a:t>5/16/21</a:t>
+              <a:t>5/17/21</a:t>
             </a:fld>
             <a:endParaRPr lang="en-US" dirty="0"/>
           </a:p>
@@ -2160,7 +2160,7 @@
           <a:ln/>
           <a:extLst>
             <a:ext uri="{91240B29-F687-4f45-9708-019B960494DF}">
-              <a14:hiddenLine xmlns:a14="http://schemas.microsoft.com/office/drawing/2010/main" xmlns="" w="9525">
+              <a14:hiddenLine xmlns="" xmlns:a14="http://schemas.microsoft.com/office/drawing/2010/main" w="9525">
                 <a:solidFill>
                   <a:srgbClr val="000000"/>
                 </a:solidFill>
@@ -2279,7 +2279,7 @@
             <a:fld id="{C6C52C72-DE31-F449-A4ED-4C594FD91407}" type="datetimeFigureOut">
               <a:rPr lang="en-US" dirty="0"/>
               <a:pPr/>
-              <a:t>5/16/21</a:t>
+              <a:t>5/17/21</a:t>
             </a:fld>
             <a:endParaRPr lang="en-US" dirty="0"/>
           </a:p>
@@ -2432,7 +2432,7 @@
           <a:ln/>
           <a:extLst>
             <a:ext uri="{91240B29-F687-4f45-9708-019B960494DF}">
-              <a14:hiddenLine xmlns:a14="http://schemas.microsoft.com/office/drawing/2010/main" xmlns="" w="9525">
+              <a14:hiddenLine xmlns="" xmlns:a14="http://schemas.microsoft.com/office/drawing/2010/main" w="9525">
                 <a:solidFill>
                   <a:srgbClr val="000000"/>
                 </a:solidFill>
@@ -2561,7 +2561,7 @@
             <a:fld id="{ED62726E-379B-B349-9EED-81ED093FA806}" type="datetimeFigureOut">
               <a:rPr lang="en-US" dirty="0"/>
               <a:pPr/>
-              <a:t>5/16/21</a:t>
+              <a:t>5/17/21</a:t>
             </a:fld>
             <a:endParaRPr lang="en-US" dirty="0"/>
           </a:p>
@@ -2712,7 +2712,7 @@
           <a:ln/>
           <a:extLst>
             <a:ext uri="{91240B29-F687-4f45-9708-019B960494DF}">
-              <a14:hiddenLine xmlns:a14="http://schemas.microsoft.com/office/drawing/2010/main" xmlns="" w="9525">
+              <a14:hiddenLine xmlns="" xmlns:a14="http://schemas.microsoft.com/office/drawing/2010/main" w="9525">
                 <a:solidFill>
                   <a:srgbClr val="000000"/>
                 </a:solidFill>
@@ -2841,7 +2841,7 @@
             <a:fld id="{9B3A1323-8D79-1946-B0D7-40001CF92E9D}" type="datetimeFigureOut">
               <a:rPr lang="en-US" dirty="0"/>
               <a:pPr/>
-              <a:t>5/16/21</a:t>
+              <a:t>5/17/21</a:t>
             </a:fld>
             <a:endParaRPr lang="en-US" dirty="0"/>
           </a:p>
@@ -3181,7 +3181,7 @@
             <a:fld id="{8DFA1846-DA80-1C48-A609-854EA85C59AD}" type="datetimeFigureOut">
               <a:rPr lang="en-US" dirty="0"/>
               <a:pPr/>
-              <a:t>5/16/21</a:t>
+              <a:t>5/17/21</a:t>
             </a:fld>
             <a:endParaRPr lang="en-US" dirty="0"/>
           </a:p>
@@ -3332,7 +3332,7 @@
           <a:ln/>
           <a:extLst>
             <a:ext uri="{91240B29-F687-4f45-9708-019B960494DF}">
-              <a14:hiddenLine xmlns:a14="http://schemas.microsoft.com/office/drawing/2010/main" xmlns="" w="9525">
+              <a14:hiddenLine xmlns="" xmlns:a14="http://schemas.microsoft.com/office/drawing/2010/main" w="9525">
                 <a:solidFill>
                   <a:srgbClr val="000000"/>
                 </a:solidFill>
@@ -3517,7 +3517,7 @@
             <a:fld id="{57302355-E14B-8545-A8F8-0FE83CC9D524}" type="datetimeFigureOut">
               <a:rPr lang="en-US" dirty="0"/>
               <a:pPr/>
-              <a:t>5/16/21</a:t>
+              <a:t>5/17/21</a:t>
             </a:fld>
             <a:endParaRPr lang="en-US" dirty="0"/>
           </a:p>
@@ -3668,7 +3668,7 @@
           <a:ln/>
           <a:extLst>
             <a:ext uri="{91240B29-F687-4f45-9708-019B960494DF}">
-              <a14:hiddenLine xmlns:a14="http://schemas.microsoft.com/office/drawing/2010/main" xmlns="" w="9525">
+              <a14:hiddenLine xmlns="" xmlns:a14="http://schemas.microsoft.com/office/drawing/2010/main" w="9525">
                 <a:solidFill>
                   <a:srgbClr val="000000"/>
                 </a:solidFill>
@@ -3991,7 +3991,7 @@
             <a:fld id="{02640F58-564D-2B4F-AE67-E407BA4FCF45}" type="datetimeFigureOut">
               <a:rPr lang="en-US" dirty="0"/>
               <a:pPr/>
-              <a:t>5/16/21</a:t>
+              <a:t>5/17/21</a:t>
             </a:fld>
             <a:endParaRPr lang="en-US" dirty="0"/>
           </a:p>
@@ -4142,7 +4142,7 @@
           <a:ln/>
           <a:extLst>
             <a:ext uri="{91240B29-F687-4f45-9708-019B960494DF}">
-              <a14:hiddenLine xmlns:a14="http://schemas.microsoft.com/office/drawing/2010/main" xmlns="" w="9525">
+              <a14:hiddenLine xmlns="" xmlns:a14="http://schemas.microsoft.com/office/drawing/2010/main" w="9525">
                 <a:solidFill>
                   <a:srgbClr val="000000"/>
                 </a:solidFill>
@@ -4209,7 +4209,7 @@
             <a:fld id="{F13A34C8-038E-2045-AF43-DF7DBB8E0E9E}" type="datetimeFigureOut">
               <a:rPr lang="en-US" dirty="0"/>
               <a:pPr/>
-              <a:t>5/16/21</a:t>
+              <a:t>5/17/21</a:t>
             </a:fld>
             <a:endParaRPr lang="en-US" dirty="0"/>
           </a:p>
@@ -4301,7 +4301,7 @@
             <a:fld id="{8818C68F-D26B-8F47-958C-23B49CF8A634}" type="datetimeFigureOut">
               <a:rPr lang="en-US" dirty="0"/>
               <a:pPr/>
-              <a:t>5/16/21</a:t>
+              <a:t>5/17/21</a:t>
             </a:fld>
             <a:endParaRPr lang="en-US" dirty="0"/>
           </a:p>
@@ -4565,7 +4565,7 @@
           <a:ln/>
           <a:extLst>
             <a:ext uri="{91240B29-F687-4f45-9708-019B960494DF}">
-              <a14:hiddenLine xmlns:a14="http://schemas.microsoft.com/office/drawing/2010/main" xmlns="" w="9525">
+              <a14:hiddenLine xmlns="" xmlns:a14="http://schemas.microsoft.com/office/drawing/2010/main" w="9525">
                 <a:solidFill>
                   <a:srgbClr val="000000"/>
                 </a:solidFill>
@@ -4765,7 +4765,7 @@
             <a:fld id="{D0DF5E60-9974-AC48-9591-99C2BB44B7CF}" type="datetimeFigureOut">
               <a:rPr lang="en-US" dirty="0"/>
               <a:pPr/>
-              <a:t>5/16/21</a:t>
+              <a:t>5/17/21</a:t>
             </a:fld>
             <a:endParaRPr lang="en-US" dirty="0"/>
           </a:p>
@@ -5075,7 +5075,7 @@
             <a:fld id="{18C79C5D-2A6F-F04D-97DA-BEF2467B64E4}" type="datetimeFigureOut">
               <a:rPr lang="en-US" dirty="0"/>
               <a:pPr/>
-              <a:t>5/16/21</a:t>
+              <a:t>5/17/21</a:t>
             </a:fld>
             <a:endParaRPr lang="en-US" dirty="0"/>
           </a:p>
@@ -5345,7 +5345,7 @@
             <a:fld id="{09B482E8-6E0E-1B4F-B1FD-C69DB9E858D9}" type="datetimeFigureOut">
               <a:rPr lang="en-US" dirty="0"/>
               <a:pPr/>
-              <a:t>5/16/21</a:t>
+              <a:t>5/17/21</a:t>
             </a:fld>
             <a:endParaRPr lang="en-US" dirty="0"/>
           </a:p>
@@ -6000,15 +6000,15 @@
           <a:p>
             <a:r>
               <a:rPr lang="en-GB" sz="2400" spc="-150" dirty="0">
-                <a:latin typeface="Aharoni" panose="02010803020104030203" pitchFamily="2" charset="-79"/>
-                <a:cs typeface="Aharoni" panose="02010803020104030203" pitchFamily="2" charset="-79"/>
+                <a:latin typeface="Futura Medium" panose="020B0602020204020303" pitchFamily="34" charset="-79"/>
+                <a:cs typeface="Futura Medium" panose="020B0602020204020303" pitchFamily="34" charset="-79"/>
               </a:rPr>
               <a:t>c</a:t>
             </a:r>
             <a:r>
               <a:rPr lang="en-NL" sz="2400" spc="-150" dirty="0">
-                <a:latin typeface="Aharoni" panose="02010803020104030203" pitchFamily="2" charset="-79"/>
-                <a:cs typeface="Aharoni" panose="02010803020104030203" pitchFamily="2" charset="-79"/>
+                <a:latin typeface="Futura Medium" panose="020B0602020204020303" pitchFamily="34" charset="-79"/>
+                <a:cs typeface="Futura Medium" panose="020B0602020204020303" pitchFamily="34" charset="-79"/>
               </a:rPr>
               <a:t>orono abonnement</a:t>
             </a:r>
@@ -6016,22 +6016,22 @@
           <a:p>
             <a:r>
               <a:rPr lang="en-GB" sz="2400" spc="-150" dirty="0" err="1">
-                <a:latin typeface="Aharoni" panose="02010803020104030203" pitchFamily="2" charset="-79"/>
-                <a:cs typeface="Aharoni" panose="02010803020104030203" pitchFamily="2" charset="-79"/>
+                <a:latin typeface="Futura Medium" panose="020B0602020204020303" pitchFamily="34" charset="-79"/>
+                <a:cs typeface="Futura Medium" panose="020B0602020204020303" pitchFamily="34" charset="-79"/>
               </a:rPr>
               <a:t>afspraakloos</a:t>
             </a:r>
             <a:r>
               <a:rPr lang="en-GB" sz="2400" spc="-150" dirty="0">
-                <a:latin typeface="Aharoni" panose="02010803020104030203" pitchFamily="2" charset="-79"/>
-                <a:cs typeface="Aharoni" panose="02010803020104030203" pitchFamily="2" charset="-79"/>
+                <a:latin typeface="Futura Medium" panose="020B0602020204020303" pitchFamily="34" charset="-79"/>
+                <a:cs typeface="Futura Medium" panose="020B0602020204020303" pitchFamily="34" charset="-79"/>
               </a:rPr>
               <a:t> w</a:t>
             </a:r>
             <a:r>
               <a:rPr lang="en-NL" sz="2400" spc="-150" dirty="0">
-                <a:latin typeface="Aharoni" panose="02010803020104030203" pitchFamily="2" charset="-79"/>
-                <a:cs typeface="Aharoni" panose="02010803020104030203" pitchFamily="2" charset="-79"/>
+                <a:latin typeface="Futura Medium" panose="020B0602020204020303" pitchFamily="34" charset="-79"/>
+                <a:cs typeface="Futura Medium" panose="020B0602020204020303" pitchFamily="34" charset="-79"/>
               </a:rPr>
               <a:t>inkels &amp; horeca in </a:t>
             </a:r>
@@ -6039,8 +6039,8 @@
           <a:p>
             <a:r>
               <a:rPr lang="en-NL" sz="2400" spc="-150" dirty="0">
-                <a:latin typeface="Aharoni" panose="02010803020104030203" pitchFamily="2" charset="-79"/>
-                <a:cs typeface="Aharoni" panose="02010803020104030203" pitchFamily="2" charset="-79"/>
+                <a:latin typeface="Futura Medium" panose="020B0602020204020303" pitchFamily="34" charset="-79"/>
+                <a:cs typeface="Futura Medium" panose="020B0602020204020303" pitchFamily="34" charset="-79"/>
               </a:rPr>
               <a:t>3 abonnementen</a:t>
             </a:r>
@@ -6650,7 +6650,7 @@
           <a:effectLst/>
           <a:extLst>
             <a:ext uri="{91240B29-F687-4f45-9708-019B960494DF}">
-              <a14:hiddenLine xmlns="" xmlns:a16="http://schemas.microsoft.com/office/drawing/2014/main" xmlns:p14="http://schemas.microsoft.com/office/powerpoint/2010/main" xmlns:a14="http://schemas.microsoft.com/office/drawing/2010/main" w="9525">
+              <a14:hiddenLine xmlns:a14="http://schemas.microsoft.com/office/drawing/2010/main" xmlns:p14="http://schemas.microsoft.com/office/powerpoint/2010/main" xmlns:a16="http://schemas.microsoft.com/office/drawing/2014/main" xmlns="" w="9525">
                 <a:solidFill>
                   <a:srgbClr val="000000"/>
                 </a:solidFill>
@@ -7532,12 +7532,16 @@
           <a:lstStyle/>
           <a:p>
             <a:r>
-              <a:rPr lang="en-NL" dirty="0">
+              <a:rPr lang="en-NL">
                 <a:latin typeface="Futura Medium" panose="020B0602020204020303" pitchFamily="34" charset="-79"/>
                 <a:cs typeface="Futura Medium" panose="020B0602020204020303" pitchFamily="34" charset="-79"/>
               </a:rPr>
               <a:t>Website</a:t>
             </a:r>
+            <a:endParaRPr lang="en-NL" dirty="0">
+              <a:latin typeface="Futura Medium" panose="020B0602020204020303" pitchFamily="34" charset="-79"/>
+              <a:cs typeface="Futura Medium" panose="020B0602020204020303" pitchFamily="34" charset="-79"/>
+            </a:endParaRPr>
           </a:p>
         </p:txBody>
       </p:sp>
@@ -7565,7 +7569,7 @@
           <a:lstStyle/>
           <a:p>
             <a:r>
-              <a:rPr lang="en-NL" sz="2400" spc="-150" dirty="0">
+              <a:rPr lang="en-NL" sz="2400" spc="-150">
                 <a:latin typeface="Futura Medium" panose="020B0602020204020303" pitchFamily="34" charset="-79"/>
                 <a:cs typeface="Futura Medium" panose="020B0602020204020303" pitchFamily="34" charset="-79"/>
                 <a:hlinkClick r:id="rId2">

--- a/documenten/corono-sprintreview-0.pptx
+++ b/documenten/corono-sprintreview-0.pptx
@@ -203,7 +203,7 @@
           <a:p>
             <a:fld id="{EE73DE52-BB83-CF4B-A5D7-04F131E9BA25}" type="datetimeFigureOut">
               <a:rPr lang="en-NL" smtClean="0"/>
-              <a:t>17/05/2021</a:t>
+              <a:t>31/05/2021</a:t>
             </a:fld>
             <a:endParaRPr lang="en-NL"/>
           </a:p>
@@ -650,7 +650,7 @@
           <a:effectLst/>
           <a:extLst>
             <a:ext uri="{91240B29-F687-4f45-9708-019B960494DF}">
-              <a14:hiddenLine xmlns="" xmlns:a14="http://schemas.microsoft.com/office/drawing/2010/main" w="9525">
+              <a14:hiddenLine xmlns:a14="http://schemas.microsoft.com/office/drawing/2010/main" xmlns="" w="9525">
                 <a:solidFill>
                   <a:srgbClr val="000000"/>
                 </a:solidFill>
@@ -843,7 +843,7 @@
             <a:fld id="{08B9EBBA-996F-894A-B54A-D6246ED52CEA}" type="datetimeFigureOut">
               <a:rPr lang="en-US" dirty="0"/>
               <a:pPr/>
-              <a:t>5/17/21</a:t>
+              <a:t>5/31/21</a:t>
             </a:fld>
             <a:endParaRPr lang="en-US" dirty="0"/>
           </a:p>
@@ -1158,7 +1158,7 @@
             <a:fld id="{18C79C5D-2A6F-F04D-97DA-BEF2467B64E4}" type="datetimeFigureOut">
               <a:rPr lang="en-US" dirty="0"/>
               <a:pPr/>
-              <a:t>5/17/21</a:t>
+              <a:t>5/31/21</a:t>
             </a:fld>
             <a:endParaRPr lang="en-US" dirty="0"/>
           </a:p>
@@ -1643,7 +1643,7 @@
             <a:fld id="{8DFA1846-DA80-1C48-A609-854EA85C59AD}" type="datetimeFigureOut">
               <a:rPr lang="en-US" dirty="0"/>
               <a:pPr/>
-              <a:t>5/17/21</a:t>
+              <a:t>5/31/21</a:t>
             </a:fld>
             <a:endParaRPr lang="en-US" dirty="0"/>
           </a:p>
@@ -2009,7 +2009,7 @@
             <a:fld id="{FBF54567-0DE4-3F47-BF90-CB84690072F9}" type="datetimeFigureOut">
               <a:rPr lang="en-US" dirty="0"/>
               <a:pPr/>
-              <a:t>5/17/21</a:t>
+              <a:t>5/31/21</a:t>
             </a:fld>
             <a:endParaRPr lang="en-US" dirty="0"/>
           </a:p>
@@ -2160,7 +2160,7 @@
           <a:ln/>
           <a:extLst>
             <a:ext uri="{91240B29-F687-4f45-9708-019B960494DF}">
-              <a14:hiddenLine xmlns="" xmlns:a14="http://schemas.microsoft.com/office/drawing/2010/main" w="9525">
+              <a14:hiddenLine xmlns:a14="http://schemas.microsoft.com/office/drawing/2010/main" xmlns="" w="9525">
                 <a:solidFill>
                   <a:srgbClr val="000000"/>
                 </a:solidFill>
@@ -2279,7 +2279,7 @@
             <a:fld id="{C6C52C72-DE31-F449-A4ED-4C594FD91407}" type="datetimeFigureOut">
               <a:rPr lang="en-US" dirty="0"/>
               <a:pPr/>
-              <a:t>5/17/21</a:t>
+              <a:t>5/31/21</a:t>
             </a:fld>
             <a:endParaRPr lang="en-US" dirty="0"/>
           </a:p>
@@ -2432,7 +2432,7 @@
           <a:ln/>
           <a:extLst>
             <a:ext uri="{91240B29-F687-4f45-9708-019B960494DF}">
-              <a14:hiddenLine xmlns="" xmlns:a14="http://schemas.microsoft.com/office/drawing/2010/main" w="9525">
+              <a14:hiddenLine xmlns:a14="http://schemas.microsoft.com/office/drawing/2010/main" xmlns="" w="9525">
                 <a:solidFill>
                   <a:srgbClr val="000000"/>
                 </a:solidFill>
@@ -2561,7 +2561,7 @@
             <a:fld id="{ED62726E-379B-B349-9EED-81ED093FA806}" type="datetimeFigureOut">
               <a:rPr lang="en-US" dirty="0"/>
               <a:pPr/>
-              <a:t>5/17/21</a:t>
+              <a:t>5/31/21</a:t>
             </a:fld>
             <a:endParaRPr lang="en-US" dirty="0"/>
           </a:p>
@@ -2712,7 +2712,7 @@
           <a:ln/>
           <a:extLst>
             <a:ext uri="{91240B29-F687-4f45-9708-019B960494DF}">
-              <a14:hiddenLine xmlns="" xmlns:a14="http://schemas.microsoft.com/office/drawing/2010/main" w="9525">
+              <a14:hiddenLine xmlns:a14="http://schemas.microsoft.com/office/drawing/2010/main" xmlns="" w="9525">
                 <a:solidFill>
                   <a:srgbClr val="000000"/>
                 </a:solidFill>
@@ -2841,7 +2841,7 @@
             <a:fld id="{9B3A1323-8D79-1946-B0D7-40001CF92E9D}" type="datetimeFigureOut">
               <a:rPr lang="en-US" dirty="0"/>
               <a:pPr/>
-              <a:t>5/17/21</a:t>
+              <a:t>5/31/21</a:t>
             </a:fld>
             <a:endParaRPr lang="en-US" dirty="0"/>
           </a:p>
@@ -3181,7 +3181,7 @@
             <a:fld id="{8DFA1846-DA80-1C48-A609-854EA85C59AD}" type="datetimeFigureOut">
               <a:rPr lang="en-US" dirty="0"/>
               <a:pPr/>
-              <a:t>5/17/21</a:t>
+              <a:t>5/31/21</a:t>
             </a:fld>
             <a:endParaRPr lang="en-US" dirty="0"/>
           </a:p>
@@ -3332,7 +3332,7 @@
           <a:ln/>
           <a:extLst>
             <a:ext uri="{91240B29-F687-4f45-9708-019B960494DF}">
-              <a14:hiddenLine xmlns="" xmlns:a14="http://schemas.microsoft.com/office/drawing/2010/main" w="9525">
+              <a14:hiddenLine xmlns:a14="http://schemas.microsoft.com/office/drawing/2010/main" xmlns="" w="9525">
                 <a:solidFill>
                   <a:srgbClr val="000000"/>
                 </a:solidFill>
@@ -3517,7 +3517,7 @@
             <a:fld id="{57302355-E14B-8545-A8F8-0FE83CC9D524}" type="datetimeFigureOut">
               <a:rPr lang="en-US" dirty="0"/>
               <a:pPr/>
-              <a:t>5/17/21</a:t>
+              <a:t>5/31/21</a:t>
             </a:fld>
             <a:endParaRPr lang="en-US" dirty="0"/>
           </a:p>
@@ -3668,7 +3668,7 @@
           <a:ln/>
           <a:extLst>
             <a:ext uri="{91240B29-F687-4f45-9708-019B960494DF}">
-              <a14:hiddenLine xmlns="" xmlns:a14="http://schemas.microsoft.com/office/drawing/2010/main" w="9525">
+              <a14:hiddenLine xmlns:a14="http://schemas.microsoft.com/office/drawing/2010/main" xmlns="" w="9525">
                 <a:solidFill>
                   <a:srgbClr val="000000"/>
                 </a:solidFill>
@@ -3991,7 +3991,7 @@
             <a:fld id="{02640F58-564D-2B4F-AE67-E407BA4FCF45}" type="datetimeFigureOut">
               <a:rPr lang="en-US" dirty="0"/>
               <a:pPr/>
-              <a:t>5/17/21</a:t>
+              <a:t>5/31/21</a:t>
             </a:fld>
             <a:endParaRPr lang="en-US" dirty="0"/>
           </a:p>
@@ -4142,7 +4142,7 @@
           <a:ln/>
           <a:extLst>
             <a:ext uri="{91240B29-F687-4f45-9708-019B960494DF}">
-              <a14:hiddenLine xmlns="" xmlns:a14="http://schemas.microsoft.com/office/drawing/2010/main" w="9525">
+              <a14:hiddenLine xmlns:a14="http://schemas.microsoft.com/office/drawing/2010/main" xmlns="" w="9525">
                 <a:solidFill>
                   <a:srgbClr val="000000"/>
                 </a:solidFill>
@@ -4209,7 +4209,7 @@
             <a:fld id="{F13A34C8-038E-2045-AF43-DF7DBB8E0E9E}" type="datetimeFigureOut">
               <a:rPr lang="en-US" dirty="0"/>
               <a:pPr/>
-              <a:t>5/17/21</a:t>
+              <a:t>5/31/21</a:t>
             </a:fld>
             <a:endParaRPr lang="en-US" dirty="0"/>
           </a:p>
@@ -4301,7 +4301,7 @@
             <a:fld id="{8818C68F-D26B-8F47-958C-23B49CF8A634}" type="datetimeFigureOut">
               <a:rPr lang="en-US" dirty="0"/>
               <a:pPr/>
-              <a:t>5/17/21</a:t>
+              <a:t>5/31/21</a:t>
             </a:fld>
             <a:endParaRPr lang="en-US" dirty="0"/>
           </a:p>
@@ -4565,7 +4565,7 @@
           <a:ln/>
           <a:extLst>
             <a:ext uri="{91240B29-F687-4f45-9708-019B960494DF}">
-              <a14:hiddenLine xmlns="" xmlns:a14="http://schemas.microsoft.com/office/drawing/2010/main" w="9525">
+              <a14:hiddenLine xmlns:a14="http://schemas.microsoft.com/office/drawing/2010/main" xmlns="" w="9525">
                 <a:solidFill>
                   <a:srgbClr val="000000"/>
                 </a:solidFill>
@@ -4765,7 +4765,7 @@
             <a:fld id="{D0DF5E60-9974-AC48-9591-99C2BB44B7CF}" type="datetimeFigureOut">
               <a:rPr lang="en-US" dirty="0"/>
               <a:pPr/>
-              <a:t>5/17/21</a:t>
+              <a:t>5/31/21</a:t>
             </a:fld>
             <a:endParaRPr lang="en-US" dirty="0"/>
           </a:p>
@@ -5075,7 +5075,7 @@
             <a:fld id="{18C79C5D-2A6F-F04D-97DA-BEF2467B64E4}" type="datetimeFigureOut">
               <a:rPr lang="en-US" dirty="0"/>
               <a:pPr/>
-              <a:t>5/17/21</a:t>
+              <a:t>5/31/21</a:t>
             </a:fld>
             <a:endParaRPr lang="en-US" dirty="0"/>
           </a:p>
@@ -5345,7 +5345,7 @@
             <a:fld id="{09B482E8-6E0E-1B4F-B1FD-C69DB9E858D9}" type="datetimeFigureOut">
               <a:rPr lang="en-US" dirty="0"/>
               <a:pPr/>
-              <a:t>5/17/21</a:t>
+              <a:t>5/31/21</a:t>
             </a:fld>
             <a:endParaRPr lang="en-US" dirty="0"/>
           </a:p>
@@ -5828,11 +5828,18 @@
               <a:t>s</a:t>
             </a:r>
             <a:r>
+              <a:rPr lang="en-NL" spc="-150">
+                <a:latin typeface="Futura Medium" panose="020B0602020204020303" pitchFamily="34" charset="-79"/>
+                <a:cs typeface="Futura Medium" panose="020B0602020204020303" pitchFamily="34" charset="-79"/>
+              </a:rPr>
+              <a:t>print 0 </a:t>
+            </a:r>
+            <a:r>
               <a:rPr lang="en-NL" spc="-150" dirty="0">
                 <a:latin typeface="Futura Medium" panose="020B0602020204020303" pitchFamily="34" charset="-79"/>
                 <a:cs typeface="Futura Medium" panose="020B0602020204020303" pitchFamily="34" charset="-79"/>
               </a:rPr>
-              <a:t>print 0 review </a:t>
+              <a:t>review </a:t>
             </a:r>
           </a:p>
         </p:txBody>
@@ -6650,7 +6657,7 @@
           <a:effectLst/>
           <a:extLst>
             <a:ext uri="{91240B29-F687-4f45-9708-019B960494DF}">
-              <a14:hiddenLine xmlns:a14="http://schemas.microsoft.com/office/drawing/2010/main" xmlns:p14="http://schemas.microsoft.com/office/powerpoint/2010/main" xmlns:a16="http://schemas.microsoft.com/office/drawing/2014/main" xmlns="" w="9525">
+              <a14:hiddenLine xmlns="" xmlns:a16="http://schemas.microsoft.com/office/drawing/2014/main" xmlns:p14="http://schemas.microsoft.com/office/powerpoint/2010/main" xmlns:a14="http://schemas.microsoft.com/office/drawing/2010/main" w="9525">
                 <a:solidFill>
                   <a:srgbClr val="000000"/>
                 </a:solidFill>
